--- a/ Angular.pptx
+++ b/ Angular.pptx
@@ -17631,28 +17631,48 @@
               <a:t>export class </a:t>
             </a:r>
             <a:r>
+              <a:rPr lang="nl-NL" sz="2000" b="1" dirty="0" err="1">
+                <a:solidFill>
+                  <a:srgbClr val="FF0000"/>
+                </a:solidFill>
+              </a:rPr>
+              <a:t>BooksComponent</a:t>
+            </a:r>
+            <a:r>
+              <a:rPr lang="nl-NL" sz="2000" b="1" dirty="0">
+                <a:solidFill>
+                  <a:srgbClr val="FF0000"/>
+                </a:solidFill>
+              </a:rPr>
+              <a:t> </a:t>
+            </a:r>
+            <a:r>
               <a:rPr lang="nl-NL" sz="2000" b="1" dirty="0" err="1"/>
-              <a:t>BooksComponent</a:t>
+              <a:t>implements</a:t>
             </a:r>
             <a:r>
               <a:rPr lang="nl-NL" sz="2000" b="1" dirty="0"/>
               <a:t> </a:t>
             </a:r>
             <a:r>
-              <a:rPr lang="nl-NL" sz="2000" b="1" dirty="0" err="1"/>
-              <a:t>implements</a:t>
+              <a:rPr lang="nl-NL" sz="2000" b="1" dirty="0" err="1">
+                <a:solidFill>
+                  <a:srgbClr val="C00000"/>
+                </a:solidFill>
+              </a:rPr>
+              <a:t>OnInit</a:t>
+            </a:r>
+            <a:r>
+              <a:rPr lang="nl-NL" sz="2000" b="1" dirty="0">
+                <a:solidFill>
+                  <a:srgbClr val="C00000"/>
+                </a:solidFill>
+              </a:rPr>
+              <a:t> </a:t>
             </a:r>
             <a:r>
               <a:rPr lang="nl-NL" sz="2000" b="1" dirty="0"/>
-              <a:t> </a:t>
-            </a:r>
-            <a:r>
-              <a:rPr lang="nl-NL" sz="2000" b="1" dirty="0" err="1"/>
-              <a:t>OnInit</a:t>
-            </a:r>
-            <a:r>
-              <a:rPr lang="nl-NL" sz="2000" b="1" dirty="0"/>
-              <a:t> {</a:t>
+              <a:t>{</a:t>
             </a:r>
           </a:p>
           <a:p>
@@ -17817,20 +17837,32 @@
               <a:t> class </a:t>
             </a:r>
             <a:r>
-              <a:rPr lang="en-US" sz="2400" b="1" dirty="0" err="1"/>
+              <a:rPr lang="en-US" sz="2400" b="1" dirty="0" err="1">
+                <a:solidFill>
+                  <a:srgbClr val="FF0000"/>
+                </a:solidFill>
+              </a:rPr>
               <a:t>BooksComponent</a:t>
             </a:r>
             <a:r>
+              <a:rPr lang="en-US" sz="2400" b="1" dirty="0">
+                <a:solidFill>
+                  <a:srgbClr val="FF0000"/>
+                </a:solidFill>
+              </a:rPr>
+              <a:t> </a:t>
+            </a:r>
+            <a:r>
               <a:rPr lang="en-US" sz="2400" b="1" dirty="0"/>
+              <a:t>implements</a:t>
+            </a:r>
+            <a:r>
+              <a:rPr lang="en-US" sz="2400" b="1" dirty="0">
+                <a:solidFill>
+                  <a:srgbClr val="C00000"/>
+                </a:solidFill>
+              </a:rPr>
               <a:t> </a:t>
-            </a:r>
-            <a:r>
-              <a:rPr lang="en-US" sz="2400" b="1" dirty="0">
-                <a:solidFill>
-                  <a:srgbClr val="C00000"/>
-                </a:solidFill>
-              </a:rPr>
-              <a:t>implements </a:t>
             </a:r>
             <a:r>
               <a:rPr lang="en-US" sz="2400" b="1" dirty="0" err="1">
@@ -18043,7 +18075,7 @@
               <a:t>		</a:t>
             </a:r>
             <a:r>
-              <a:rPr lang="en-US" sz="2400" b="1" dirty="0" smtClean="0">
+              <a:rPr lang="en-US" b="1" dirty="0" smtClean="0">
                 <a:solidFill>
                   <a:srgbClr val="FF0000"/>
                 </a:solidFill>
@@ -18051,7 +18083,7 @@
               <a:t>.</a:t>
             </a:r>
             <a:r>
-              <a:rPr lang="en-US" sz="2400" b="1" dirty="0">
+              <a:rPr lang="en-US" b="1" dirty="0">
                 <a:solidFill>
                   <a:srgbClr val="FF0000"/>
                 </a:solidFill>

--- a/ Angular.pptx
+++ b/ Angular.pptx
@@ -225,7 +225,7 @@
           <a:p>
             <a:fld id="{6848C585-BF4F-4A51-B926-B9EBAB7722D4}" type="datetimeFigureOut">
               <a:rPr lang="nl-NL" smtClean="0"/>
-              <a:t>02-03-18</a:t>
+              <a:t>25-04-18</a:t>
             </a:fld>
             <a:endParaRPr lang="nl-NL"/>
           </a:p>
@@ -6507,7 +6507,7 @@
           <a:p>
             <a:fld id="{9379F80A-5E69-4003-A4CA-EECDF3CD699D}" type="datetimeFigureOut">
               <a:rPr lang="nl-NL" smtClean="0"/>
-              <a:t>02-03-18</a:t>
+              <a:t>25-04-18</a:t>
             </a:fld>
             <a:endParaRPr lang="nl-NL"/>
           </a:p>
@@ -6677,7 +6677,7 @@
           <a:p>
             <a:fld id="{9379F80A-5E69-4003-A4CA-EECDF3CD699D}" type="datetimeFigureOut">
               <a:rPr lang="nl-NL" smtClean="0"/>
-              <a:t>02-03-18</a:t>
+              <a:t>25-04-18</a:t>
             </a:fld>
             <a:endParaRPr lang="nl-NL"/>
           </a:p>
@@ -6857,7 +6857,7 @@
           <a:p>
             <a:fld id="{9379F80A-5E69-4003-A4CA-EECDF3CD699D}" type="datetimeFigureOut">
               <a:rPr lang="nl-NL" smtClean="0"/>
-              <a:t>02-03-18</a:t>
+              <a:t>25-04-18</a:t>
             </a:fld>
             <a:endParaRPr lang="nl-NL"/>
           </a:p>
@@ -7645,7 +7645,7 @@
           <a:p>
             <a:fld id="{9379F80A-5E69-4003-A4CA-EECDF3CD699D}" type="datetimeFigureOut">
               <a:rPr lang="nl-NL" smtClean="0"/>
-              <a:t>02-03-18</a:t>
+              <a:t>25-04-18</a:t>
             </a:fld>
             <a:endParaRPr lang="nl-NL"/>
           </a:p>
@@ -7891,7 +7891,7 @@
           <a:p>
             <a:fld id="{9379F80A-5E69-4003-A4CA-EECDF3CD699D}" type="datetimeFigureOut">
               <a:rPr lang="nl-NL" smtClean="0"/>
-              <a:t>02-03-18</a:t>
+              <a:t>25-04-18</a:t>
             </a:fld>
             <a:endParaRPr lang="nl-NL"/>
           </a:p>
@@ -8123,7 +8123,7 @@
           <a:p>
             <a:fld id="{9379F80A-5E69-4003-A4CA-EECDF3CD699D}" type="datetimeFigureOut">
               <a:rPr lang="nl-NL" smtClean="0"/>
-              <a:t>02-03-18</a:t>
+              <a:t>25-04-18</a:t>
             </a:fld>
             <a:endParaRPr lang="nl-NL"/>
           </a:p>
@@ -8490,7 +8490,7 @@
           <a:p>
             <a:fld id="{9379F80A-5E69-4003-A4CA-EECDF3CD699D}" type="datetimeFigureOut">
               <a:rPr lang="nl-NL" smtClean="0"/>
-              <a:t>02-03-18</a:t>
+              <a:t>25-04-18</a:t>
             </a:fld>
             <a:endParaRPr lang="nl-NL"/>
           </a:p>
@@ -8608,7 +8608,7 @@
           <a:p>
             <a:fld id="{9379F80A-5E69-4003-A4CA-EECDF3CD699D}" type="datetimeFigureOut">
               <a:rPr lang="nl-NL" smtClean="0"/>
-              <a:t>02-03-18</a:t>
+              <a:t>25-04-18</a:t>
             </a:fld>
             <a:endParaRPr lang="nl-NL"/>
           </a:p>
@@ -8703,7 +8703,7 @@
           <a:p>
             <a:fld id="{9379F80A-5E69-4003-A4CA-EECDF3CD699D}" type="datetimeFigureOut">
               <a:rPr lang="nl-NL" smtClean="0"/>
-              <a:t>02-03-18</a:t>
+              <a:t>25-04-18</a:t>
             </a:fld>
             <a:endParaRPr lang="nl-NL"/>
           </a:p>
@@ -8980,7 +8980,7 @@
           <a:p>
             <a:fld id="{9379F80A-5E69-4003-A4CA-EECDF3CD699D}" type="datetimeFigureOut">
               <a:rPr lang="nl-NL" smtClean="0"/>
-              <a:t>02-03-18</a:t>
+              <a:t>25-04-18</a:t>
             </a:fld>
             <a:endParaRPr lang="nl-NL"/>
           </a:p>
@@ -9233,7 +9233,7 @@
           <a:p>
             <a:fld id="{9379F80A-5E69-4003-A4CA-EECDF3CD699D}" type="datetimeFigureOut">
               <a:rPr lang="nl-NL" smtClean="0"/>
-              <a:t>02-03-18</a:t>
+              <a:t>25-04-18</a:t>
             </a:fld>
             <a:endParaRPr lang="nl-NL"/>
           </a:p>
@@ -9474,7 +9474,7 @@
           <a:p>
             <a:fld id="{9379F80A-5E69-4003-A4CA-EECDF3CD699D}" type="datetimeFigureOut">
               <a:rPr lang="nl-NL" smtClean="0"/>
-              <a:t>02-03-18</a:t>
+              <a:t>25-04-18</a:t>
             </a:fld>
             <a:endParaRPr lang="nl-NL"/>
           </a:p>
@@ -12699,15 +12699,7 @@
                 <a:ea typeface="ＭＳ 明朝"/>
                 <a:cs typeface="Courier"/>
               </a:rPr>
-              <a:t> </a:t>
-            </a:r>
-            <a:r>
-              <a:rPr lang="nl-NL" sz="2400" b="1" dirty="0" smtClean="0">
-                <a:latin typeface="Calibri" panose="020F0502020204030204" pitchFamily="34" charset="0"/>
-                <a:ea typeface="ＭＳ 明朝"/>
-                <a:cs typeface="Courier"/>
-              </a:rPr>
-              <a:t>Module</a:t>
+              <a:t> Module</a:t>
             </a:r>
           </a:p>
           <a:p>
@@ -12746,11 +12738,7 @@
           <a:p>
             <a:r>
               <a:rPr lang="nl-NL" sz="2400" dirty="0" smtClean="0"/>
-              <a:t>In </a:t>
-            </a:r>
-            <a:r>
-              <a:rPr lang="nl-NL" sz="2400" dirty="0" smtClean="0"/>
-              <a:t>@</a:t>
+              <a:t>In @</a:t>
             </a:r>
             <a:r>
               <a:rPr lang="nl-NL" sz="2400" dirty="0" err="1" smtClean="0"/>
@@ -15227,7 +15215,7 @@
         <p:spPr>
           <a:xfrm>
             <a:off x="1831012" y="1690688"/>
-            <a:ext cx="8529975" cy="7155805"/>
+            <a:ext cx="8529975" cy="7525137"/>
           </a:xfrm>
           <a:prstGeom prst="rect">
             <a:avLst/>
@@ -15278,8 +15266,19 @@
                   <a:srgbClr val="FF0000"/>
                 </a:solidFill>
               </a:rPr>
-              <a:t> over time</a:t>
-            </a:r>
+              <a:t> over </a:t>
+            </a:r>
+            <a:r>
+              <a:rPr lang="nl-NL" sz="2400" b="1" dirty="0" smtClean="0">
+                <a:solidFill>
+                  <a:srgbClr val="FF0000"/>
+                </a:solidFill>
+              </a:rPr>
+              <a:t>time</a:t>
+            </a:r>
+          </a:p>
+          <a:p>
+            <a:pPr algn="ctr"/>
             <a:endParaRPr lang="nl-NL" sz="2400" b="1" dirty="0">
               <a:solidFill>
                 <a:srgbClr val="FF0000"/>
@@ -15311,7 +15310,9 @@
             <a:r>
               <a:rPr lang="nl-NL" sz="2400" b="1" dirty="0" err="1" smtClean="0">
                 <a:solidFill>
-                  <a:srgbClr val="FFC000"/>
+                  <a:schemeClr val="accent4">
+                    <a:lumMod val="75000"/>
+                  </a:schemeClr>
                 </a:solidFill>
               </a:rPr>
               <a:t>Subscribe</a:t>
@@ -15319,7 +15320,9 @@
             <a:r>
               <a:rPr lang="nl-NL" sz="2400" b="1" dirty="0" smtClean="0">
                 <a:solidFill>
-                  <a:srgbClr val="FFC000"/>
+                  <a:schemeClr val="accent4">
+                    <a:lumMod val="75000"/>
+                  </a:schemeClr>
                 </a:solidFill>
               </a:rPr>
               <a:t> </a:t>
@@ -15327,7 +15330,9 @@
             <a:r>
               <a:rPr lang="nl-NL" sz="2400" b="1" dirty="0" err="1" smtClean="0">
                 <a:solidFill>
-                  <a:srgbClr val="FFC000"/>
+                  <a:schemeClr val="accent4">
+                    <a:lumMod val="75000"/>
+                  </a:schemeClr>
                 </a:solidFill>
               </a:rPr>
               <a:t>to</a:t>
@@ -15335,7 +15340,9 @@
             <a:r>
               <a:rPr lang="nl-NL" sz="2400" b="1" dirty="0" smtClean="0">
                 <a:solidFill>
-                  <a:srgbClr val="FFC000"/>
+                  <a:schemeClr val="accent4">
+                    <a:lumMod val="75000"/>
+                  </a:schemeClr>
                 </a:solidFill>
               </a:rPr>
               <a:t> </a:t>
@@ -15343,7 +15350,9 @@
             <a:r>
               <a:rPr lang="nl-NL" sz="2400" b="1" dirty="0" err="1" smtClean="0">
                 <a:solidFill>
-                  <a:srgbClr val="FFC000"/>
+                  <a:schemeClr val="accent4">
+                    <a:lumMod val="75000"/>
+                  </a:schemeClr>
                 </a:solidFill>
               </a:rPr>
               <a:t>the</a:t>
@@ -15351,7 +15360,9 @@
             <a:r>
               <a:rPr lang="nl-NL" sz="2400" b="1" dirty="0" smtClean="0">
                 <a:solidFill>
-                  <a:srgbClr val="FFC000"/>
+                  <a:schemeClr val="accent4">
+                    <a:lumMod val="75000"/>
+                  </a:schemeClr>
                 </a:solidFill>
               </a:rPr>
               <a:t> stream (push </a:t>
@@ -15359,7 +15370,9 @@
             <a:r>
               <a:rPr lang="nl-NL" sz="2400" b="1" dirty="0" err="1" smtClean="0">
                 <a:solidFill>
-                  <a:srgbClr val="FFC000"/>
+                  <a:schemeClr val="accent4">
+                    <a:lumMod val="75000"/>
+                  </a:schemeClr>
                 </a:solidFill>
               </a:rPr>
               <a:t>mechanism</a:t>
@@ -15367,7 +15380,9 @@
             <a:r>
               <a:rPr lang="nl-NL" sz="2400" b="1" dirty="0" smtClean="0">
                 <a:solidFill>
-                  <a:srgbClr val="FFC000"/>
+                  <a:schemeClr val="accent4">
+                    <a:lumMod val="75000"/>
+                  </a:schemeClr>
                 </a:solidFill>
               </a:rPr>
               <a:t>)</a:t>
@@ -15960,8 +15975,57 @@
             </a:r>
             <a:r>
               <a:rPr lang="nl-NL" sz="2400" b="1" dirty="0" smtClean="0"/>
+              <a:t>()  (</a:t>
+            </a:r>
+            <a:r>
+              <a:rPr lang="nl-NL" b="1" i="1" dirty="0" smtClean="0">
+                <a:solidFill>
+                  <a:schemeClr val="accent4">
+                    <a:lumMod val="75000"/>
+                  </a:schemeClr>
+                </a:solidFill>
+                <a:latin typeface="Arial" charset="0"/>
+                <a:ea typeface="Arial" charset="0"/>
+                <a:cs typeface="Arial" charset="0"/>
+                <a:sym typeface="Wingdings"/>
+              </a:rPr>
+              <a:t> map(), </a:t>
+            </a:r>
+            <a:r>
+              <a:rPr lang="nl-NL" b="1" i="1" dirty="0" err="1" smtClean="0">
+                <a:solidFill>
+                  <a:schemeClr val="accent4">
+                    <a:lumMod val="75000"/>
+                  </a:schemeClr>
+                </a:solidFill>
+                <a:latin typeface="Arial" charset="0"/>
+                <a:ea typeface="Arial" charset="0"/>
+                <a:cs typeface="Arial" charset="0"/>
+                <a:sym typeface="Wingdings"/>
+              </a:rPr>
+              <a:t>reduce</a:t>
+            </a:r>
+            <a:r>
+              <a:rPr lang="nl-NL" b="1" i="1" dirty="0" smtClean="0">
+                <a:solidFill>
+                  <a:schemeClr val="accent4">
+                    <a:lumMod val="75000"/>
+                  </a:schemeClr>
+                </a:solidFill>
+                <a:latin typeface="Arial" charset="0"/>
+                <a:ea typeface="Arial" charset="0"/>
+                <a:cs typeface="Arial" charset="0"/>
+                <a:sym typeface="Wingdings"/>
+              </a:rPr>
               <a:t>()</a:t>
             </a:r>
+            <a:r>
+              <a:rPr lang="nl-NL" sz="2400" b="1" dirty="0" smtClean="0">
+                <a:sym typeface="Wingdings"/>
+              </a:rPr>
+              <a:t>)</a:t>
+            </a:r>
+            <a:endParaRPr lang="nl-NL" sz="2400" b="1" dirty="0" smtClean="0"/>
           </a:p>
           <a:p>
             <a:pPr algn="ctr"/>
@@ -16557,10 +16621,20 @@
             <a:r>
               <a:rPr lang="nl-NL" sz="1400" b="1" dirty="0" smtClean="0">
                 <a:solidFill>
+                  <a:schemeClr val="accent4">
+                    <a:lumMod val="75000"/>
+                  </a:schemeClr>
+                </a:solidFill>
+              </a:rPr>
+              <a:t>export</a:t>
+            </a:r>
+            <a:r>
+              <a:rPr lang="nl-NL" sz="1400" b="1" dirty="0" smtClean="0">
+                <a:solidFill>
                   <a:srgbClr val="C00000"/>
                 </a:solidFill>
               </a:rPr>
-              <a:t>export class</a:t>
+              <a:t> class</a:t>
             </a:r>
             <a:r>
               <a:rPr lang="nl-NL" sz="1400" b="1" dirty="0" smtClean="0"/>
@@ -17231,15 +17305,7 @@
                   <a:srgbClr val="FFC000"/>
                 </a:solidFill>
               </a:rPr>
-              <a:t> </a:t>
-            </a:r>
-            <a:r>
-              <a:rPr lang="nl-NL" b="1" dirty="0" smtClean="0">
-                <a:solidFill>
-                  <a:srgbClr val="FFC000"/>
-                </a:solidFill>
-              </a:rPr>
-              <a:t>in </a:t>
+              <a:t> in </a:t>
             </a:r>
             <a:r>
               <a:rPr lang="nl-NL" b="1" dirty="0" err="1" smtClean="0">
@@ -17627,8 +17693,18 @@
               <a:buNone/>
             </a:pPr>
             <a:r>
+              <a:rPr lang="nl-NL" sz="2000" b="1" dirty="0">
+                <a:solidFill>
+                  <a:schemeClr val="accent4">
+                    <a:lumMod val="75000"/>
+                  </a:schemeClr>
+                </a:solidFill>
+              </a:rPr>
+              <a:t>export</a:t>
+            </a:r>
+            <a:r>
               <a:rPr lang="nl-NL" sz="2000" b="1" dirty="0"/>
-              <a:t>export class </a:t>
+              <a:t> class </a:t>
             </a:r>
             <a:r>
               <a:rPr lang="nl-NL" sz="2000" b="1" dirty="0" err="1">
@@ -17773,15 +17849,7 @@
                   <a:srgbClr val="FFC000"/>
                 </a:solidFill>
               </a:rPr>
-              <a:t> </a:t>
-            </a:r>
-            <a:r>
-              <a:rPr lang="nl-NL" b="1" dirty="0" smtClean="0">
-                <a:solidFill>
-                  <a:srgbClr val="FFC000"/>
-                </a:solidFill>
-              </a:rPr>
-              <a:t>via the </a:t>
+              <a:t> via the </a:t>
             </a:r>
             <a:r>
               <a:rPr lang="nl-NL" b="1" dirty="0" err="1" smtClean="0">

--- a/ Angular.pptx
+++ b/ Angular.pptx
@@ -225,7 +225,7 @@
           <a:p>
             <a:fld id="{6848C585-BF4F-4A51-B926-B9EBAB7722D4}" type="datetimeFigureOut">
               <a:rPr lang="nl-NL" smtClean="0"/>
-              <a:t>25-04-18</a:t>
+              <a:t>26-04-18</a:t>
             </a:fld>
             <a:endParaRPr lang="nl-NL"/>
           </a:p>
@@ -1046,13 +1046,6 @@
               <a:buFontTx/>
               <a:buChar char="-"/>
             </a:pPr>
-            <a:endParaRPr lang="nl-NL" baseline="0" dirty="0" smtClean="0"/>
-          </a:p>
-          <a:p>
-            <a:pPr marL="171450" indent="-171450">
-              <a:buFontTx/>
-              <a:buChar char="-"/>
-            </a:pPr>
             <a:r>
               <a:rPr lang="nl-NL" b="1" baseline="0" dirty="0" err="1" smtClean="0"/>
               <a:t>Imports</a:t>
@@ -2216,9 +2209,51 @@
             </a:r>
             <a:r>
               <a:rPr lang="en-US" b="1" baseline="0" dirty="0" smtClean="0"/>
-              <a:t> always on the incoming data-stream !!!</a:t>
+              <a:t> always on the incoming data-stream </a:t>
+            </a:r>
+            <a:r>
+              <a:rPr lang="en-US" b="1" baseline="0" dirty="0" smtClean="0"/>
+              <a:t>!!!  </a:t>
+            </a:r>
+            <a:r>
+              <a:rPr lang="en-US" b="1" baseline="0" smtClean="0"/>
+              <a:t>(= PUSH BERICHT)</a:t>
             </a:r>
             <a:endParaRPr lang="en-US" b="1" dirty="0" smtClean="0"/>
+          </a:p>
+          <a:p>
+            <a:endParaRPr lang="en-US" dirty="0" smtClean="0"/>
+          </a:p>
+          <a:p>
+            <a:pPr marL="0" marR="0" lvl="0" indent="0" algn="l" defTabSz="914400" rtl="0" eaLnBrk="1" fontAlgn="auto" latinLnBrk="0" hangingPunct="1">
+              <a:lnSpc>
+                <a:spcPct val="100000"/>
+              </a:lnSpc>
+              <a:spcBef>
+                <a:spcPts val="0"/>
+              </a:spcBef>
+              <a:spcAft>
+                <a:spcPts val="0"/>
+              </a:spcAft>
+              <a:buClrTx/>
+              <a:buSzTx/>
+              <a:buFontTx/>
+              <a:buNone/>
+              <a:tabLst/>
+              <a:defRPr/>
+            </a:pPr>
+            <a:r>
+              <a:rPr lang="en-US" dirty="0" smtClean="0"/>
+              <a:t>Use ES6</a:t>
+            </a:r>
+            <a:r>
+              <a:rPr lang="en-US" baseline="0" dirty="0" smtClean="0"/>
+              <a:t> </a:t>
+            </a:r>
+            <a:r>
+              <a:rPr lang="en-US" dirty="0" smtClean="0"/>
+              <a:t>arrow functions</a:t>
+            </a:r>
           </a:p>
           <a:p>
             <a:endParaRPr lang="en-US" dirty="0"/>
@@ -6507,7 +6542,7 @@
           <a:p>
             <a:fld id="{9379F80A-5E69-4003-A4CA-EECDF3CD699D}" type="datetimeFigureOut">
               <a:rPr lang="nl-NL" smtClean="0"/>
-              <a:t>25-04-18</a:t>
+              <a:t>26-04-18</a:t>
             </a:fld>
             <a:endParaRPr lang="nl-NL"/>
           </a:p>
@@ -6677,7 +6712,7 @@
           <a:p>
             <a:fld id="{9379F80A-5E69-4003-A4CA-EECDF3CD699D}" type="datetimeFigureOut">
               <a:rPr lang="nl-NL" smtClean="0"/>
-              <a:t>25-04-18</a:t>
+              <a:t>26-04-18</a:t>
             </a:fld>
             <a:endParaRPr lang="nl-NL"/>
           </a:p>
@@ -6857,7 +6892,7 @@
           <a:p>
             <a:fld id="{9379F80A-5E69-4003-A4CA-EECDF3CD699D}" type="datetimeFigureOut">
               <a:rPr lang="nl-NL" smtClean="0"/>
-              <a:t>25-04-18</a:t>
+              <a:t>26-04-18</a:t>
             </a:fld>
             <a:endParaRPr lang="nl-NL"/>
           </a:p>
@@ -7645,7 +7680,7 @@
           <a:p>
             <a:fld id="{9379F80A-5E69-4003-A4CA-EECDF3CD699D}" type="datetimeFigureOut">
               <a:rPr lang="nl-NL" smtClean="0"/>
-              <a:t>25-04-18</a:t>
+              <a:t>26-04-18</a:t>
             </a:fld>
             <a:endParaRPr lang="nl-NL"/>
           </a:p>
@@ -7891,7 +7926,7 @@
           <a:p>
             <a:fld id="{9379F80A-5E69-4003-A4CA-EECDF3CD699D}" type="datetimeFigureOut">
               <a:rPr lang="nl-NL" smtClean="0"/>
-              <a:t>25-04-18</a:t>
+              <a:t>26-04-18</a:t>
             </a:fld>
             <a:endParaRPr lang="nl-NL"/>
           </a:p>
@@ -8123,7 +8158,7 @@
           <a:p>
             <a:fld id="{9379F80A-5E69-4003-A4CA-EECDF3CD699D}" type="datetimeFigureOut">
               <a:rPr lang="nl-NL" smtClean="0"/>
-              <a:t>25-04-18</a:t>
+              <a:t>26-04-18</a:t>
             </a:fld>
             <a:endParaRPr lang="nl-NL"/>
           </a:p>
@@ -8490,7 +8525,7 @@
           <a:p>
             <a:fld id="{9379F80A-5E69-4003-A4CA-EECDF3CD699D}" type="datetimeFigureOut">
               <a:rPr lang="nl-NL" smtClean="0"/>
-              <a:t>25-04-18</a:t>
+              <a:t>26-04-18</a:t>
             </a:fld>
             <a:endParaRPr lang="nl-NL"/>
           </a:p>
@@ -8608,7 +8643,7 @@
           <a:p>
             <a:fld id="{9379F80A-5E69-4003-A4CA-EECDF3CD699D}" type="datetimeFigureOut">
               <a:rPr lang="nl-NL" smtClean="0"/>
-              <a:t>25-04-18</a:t>
+              <a:t>26-04-18</a:t>
             </a:fld>
             <a:endParaRPr lang="nl-NL"/>
           </a:p>
@@ -8703,7 +8738,7 @@
           <a:p>
             <a:fld id="{9379F80A-5E69-4003-A4CA-EECDF3CD699D}" type="datetimeFigureOut">
               <a:rPr lang="nl-NL" smtClean="0"/>
-              <a:t>25-04-18</a:t>
+              <a:t>26-04-18</a:t>
             </a:fld>
             <a:endParaRPr lang="nl-NL"/>
           </a:p>
@@ -8980,7 +9015,7 @@
           <a:p>
             <a:fld id="{9379F80A-5E69-4003-A4CA-EECDF3CD699D}" type="datetimeFigureOut">
               <a:rPr lang="nl-NL" smtClean="0"/>
-              <a:t>25-04-18</a:t>
+              <a:t>26-04-18</a:t>
             </a:fld>
             <a:endParaRPr lang="nl-NL"/>
           </a:p>
@@ -9233,7 +9268,7 @@
           <a:p>
             <a:fld id="{9379F80A-5E69-4003-A4CA-EECDF3CD699D}" type="datetimeFigureOut">
               <a:rPr lang="nl-NL" smtClean="0"/>
-              <a:t>25-04-18</a:t>
+              <a:t>26-04-18</a:t>
             </a:fld>
             <a:endParaRPr lang="nl-NL"/>
           </a:p>
@@ -9474,7 +9509,7 @@
           <a:p>
             <a:fld id="{9379F80A-5E69-4003-A4CA-EECDF3CD699D}" type="datetimeFigureOut">
               <a:rPr lang="nl-NL" smtClean="0"/>
-              <a:t>25-04-18</a:t>
+              <a:t>26-04-18</a:t>
             </a:fld>
             <a:endParaRPr lang="nl-NL"/>
           </a:p>
@@ -15266,15 +15301,7 @@
                   <a:srgbClr val="FF0000"/>
                 </a:solidFill>
               </a:rPr>
-              <a:t> over </a:t>
-            </a:r>
-            <a:r>
-              <a:rPr lang="nl-NL" sz="2400" b="1" dirty="0" smtClean="0">
-                <a:solidFill>
-                  <a:srgbClr val="FF0000"/>
-                </a:solidFill>
-              </a:rPr>
-              <a:t>time</a:t>
+              <a:t> over time</a:t>
             </a:r>
           </a:p>
           <a:p>

--- a/ Angular.pptx
+++ b/ Angular.pptx
@@ -5,7 +5,7 @@
     <p:sldMasterId id="2147483648" r:id="rId1"/>
   </p:sldMasterIdLst>
   <p:notesMasterIdLst>
-    <p:notesMasterId r:id="rId31"/>
+    <p:notesMasterId r:id="rId32"/>
   </p:notesMasterIdLst>
   <p:sldIdLst>
     <p:sldId id="316" r:id="rId2"/>
@@ -28,15 +28,16 @@
     <p:sldId id="408" r:id="rId19"/>
     <p:sldId id="398" r:id="rId20"/>
     <p:sldId id="405" r:id="rId21"/>
-    <p:sldId id="400" r:id="rId22"/>
-    <p:sldId id="401" r:id="rId23"/>
-    <p:sldId id="406" r:id="rId24"/>
-    <p:sldId id="407" r:id="rId25"/>
-    <p:sldId id="402" r:id="rId26"/>
-    <p:sldId id="393" r:id="rId27"/>
-    <p:sldId id="395" r:id="rId28"/>
-    <p:sldId id="394" r:id="rId29"/>
-    <p:sldId id="396" r:id="rId30"/>
+    <p:sldId id="409" r:id="rId22"/>
+    <p:sldId id="400" r:id="rId23"/>
+    <p:sldId id="401" r:id="rId24"/>
+    <p:sldId id="406" r:id="rId25"/>
+    <p:sldId id="407" r:id="rId26"/>
+    <p:sldId id="402" r:id="rId27"/>
+    <p:sldId id="393" r:id="rId28"/>
+    <p:sldId id="395" r:id="rId29"/>
+    <p:sldId id="394" r:id="rId30"/>
+    <p:sldId id="396" r:id="rId31"/>
   </p:sldIdLst>
   <p:sldSz cx="12192000" cy="6858000"/>
   <p:notesSz cx="6858000" cy="9144000"/>
@@ -2095,8 +2096,81 @@
             </a:r>
             <a:r>
               <a:rPr lang="en-US" baseline="0" dirty="0" smtClean="0"/>
-              <a:t>: map(), filter(), reduce()</a:t>
-            </a:r>
+              <a:t>: map(), filter(), reduce</a:t>
+            </a:r>
+            <a:r>
+              <a:rPr lang="en-US" baseline="0" dirty="0" smtClean="0"/>
+              <a:t>()</a:t>
+            </a:r>
+          </a:p>
+          <a:p>
+            <a:endParaRPr lang="en-US" baseline="0" dirty="0" smtClean="0"/>
+          </a:p>
+          <a:p>
+            <a:pPr marL="0" marR="0" indent="0" algn="l" defTabSz="914400" rtl="0" eaLnBrk="1" fontAlgn="auto" latinLnBrk="0" hangingPunct="1">
+              <a:lnSpc>
+                <a:spcPct val="100000"/>
+              </a:lnSpc>
+              <a:spcBef>
+                <a:spcPts val="0"/>
+              </a:spcBef>
+              <a:spcAft>
+                <a:spcPts val="0"/>
+              </a:spcAft>
+              <a:buClrTx/>
+              <a:buSzTx/>
+              <a:buFontTx/>
+              <a:buNone/>
+              <a:tabLst/>
+              <a:defRPr/>
+            </a:pPr>
+            <a:r>
+              <a:rPr lang="nl-NL" sz="1200" b="1" dirty="0" err="1" smtClean="0">
+                <a:solidFill>
+                  <a:srgbClr val="FF0000"/>
+                </a:solidFill>
+              </a:rPr>
+              <a:t>Example</a:t>
+            </a:r>
+            <a:r>
+              <a:rPr lang="nl-NL" sz="1200" b="1" dirty="0" smtClean="0">
+                <a:solidFill>
+                  <a:srgbClr val="FF0000"/>
+                </a:solidFill>
+              </a:rPr>
+              <a:t> stream: </a:t>
+            </a:r>
+            <a:r>
+              <a:rPr lang="nl-NL" sz="1200" b="1" dirty="0" smtClean="0"/>
+              <a:t>list of ’share </a:t>
+            </a:r>
+            <a:r>
+              <a:rPr lang="nl-NL" sz="1200" b="1" dirty="0" err="1" smtClean="0"/>
+              <a:t>prices</a:t>
+            </a:r>
+            <a:r>
+              <a:rPr lang="nl-NL" sz="1200" b="1" dirty="0" smtClean="0"/>
+              <a:t>’ </a:t>
+            </a:r>
+            <a:r>
+              <a:rPr lang="nl-NL" sz="1200" b="1" dirty="0" err="1" smtClean="0"/>
+              <a:t>which</a:t>
+            </a:r>
+            <a:r>
+              <a:rPr lang="nl-NL" sz="1200" b="1" dirty="0" smtClean="0"/>
+              <a:t> changes </a:t>
+            </a:r>
+            <a:r>
+              <a:rPr lang="nl-NL" sz="1200" b="1" dirty="0" err="1" smtClean="0"/>
+              <a:t>each</a:t>
+            </a:r>
+            <a:r>
+              <a:rPr lang="nl-NL" sz="1200" b="1" smtClean="0"/>
+              <a:t> minute.</a:t>
+            </a:r>
+          </a:p>
+          <a:p>
+            <a:endParaRPr lang="en-US" baseline="0" dirty="0" smtClean="0"/>
           </a:p>
           <a:p>
             <a:endParaRPr lang="en-US" baseline="0" dirty="0" smtClean="0"/>
@@ -2123,7 +2197,7 @@
           <a:p>
             <a:fld id="{59C059BC-4998-4873-8F2D-C8268E612536}" type="slidenum">
               <a:rPr lang="nl-NL" smtClean="0"/>
-              <a:t>21</a:t>
+              <a:t>22</a:t>
             </a:fld>
             <a:endParaRPr lang="nl-NL"/>
           </a:p>
@@ -2213,11 +2287,7 @@
             </a:r>
             <a:r>
               <a:rPr lang="en-US" b="1" baseline="0" dirty="0" smtClean="0"/>
-              <a:t>!!!  </a:t>
-            </a:r>
-            <a:r>
-              <a:rPr lang="en-US" b="1" baseline="0" smtClean="0"/>
-              <a:t>(= PUSH BERICHT)</a:t>
+              <a:t>!!!  (= PUSH BERICHT)</a:t>
             </a:r>
             <a:endParaRPr lang="en-US" b="1" dirty="0" smtClean="0"/>
           </a:p>
@@ -2251,7 +2321,7 @@
               <a:t> </a:t>
             </a:r>
             <a:r>
-              <a:rPr lang="en-US" dirty="0" smtClean="0"/>
+              <a:rPr lang="en-US" b="1" dirty="0" smtClean="0"/>
               <a:t>arrow functions</a:t>
             </a:r>
           </a:p>
@@ -2277,7 +2347,7 @@
           <a:p>
             <a:fld id="{59C059BC-4998-4873-8F2D-C8268E612536}" type="slidenum">
               <a:rPr lang="nl-NL" smtClean="0"/>
-              <a:t>24</a:t>
+              <a:t>25</a:t>
             </a:fld>
             <a:endParaRPr lang="nl-NL"/>
           </a:p>
@@ -2826,7 +2896,7 @@
           <a:p>
             <a:fld id="{59C059BC-4998-4873-8F2D-C8268E612536}" type="slidenum">
               <a:rPr lang="nl-NL" smtClean="0"/>
-              <a:t>25</a:t>
+              <a:t>26</a:t>
             </a:fld>
             <a:endParaRPr lang="nl-NL"/>
           </a:p>
@@ -2938,7 +3008,7 @@
           <a:p>
             <a:fld id="{59C059BC-4998-4873-8F2D-C8268E612536}" type="slidenum">
               <a:rPr lang="nl-NL" smtClean="0"/>
-              <a:t>27</a:t>
+              <a:t>28</a:t>
             </a:fld>
             <a:endParaRPr lang="nl-NL"/>
           </a:p>
@@ -3634,7 +3704,7 @@
           <a:p>
             <a:fld id="{59C059BC-4998-4873-8F2D-C8268E612536}" type="slidenum">
               <a:rPr lang="nl-NL" smtClean="0"/>
-              <a:t>28</a:t>
+              <a:t>29</a:t>
             </a:fld>
             <a:endParaRPr lang="nl-NL"/>
           </a:p>
@@ -3718,7 +3788,7 @@
           <a:p>
             <a:fld id="{59C059BC-4998-4873-8F2D-C8268E612536}" type="slidenum">
               <a:rPr lang="nl-NL" smtClean="0"/>
-              <a:t>29</a:t>
+              <a:t>30</a:t>
             </a:fld>
             <a:endParaRPr lang="nl-NL"/>
           </a:p>
@@ -15226,6 +15296,137 @@
           <a:p>
             <a:pPr algn="ctr"/>
             <a:r>
+              <a:rPr lang="en-US" b="1" dirty="0">
+                <a:solidFill>
+                  <a:srgbClr val="FFC000"/>
+                </a:solidFill>
+              </a:rPr>
+              <a:t>Observable</a:t>
+            </a:r>
+            <a:endParaRPr lang="en-US" b="1" dirty="0"/>
+          </a:p>
+        </p:txBody>
+      </p:sp>
+      <p:pic>
+        <p:nvPicPr>
+          <p:cNvPr id="3" name="Picture 2"/>
+          <p:cNvPicPr>
+            <a:picLocks noChangeAspect="1"/>
+          </p:cNvPicPr>
+          <p:nvPr/>
+        </p:nvPicPr>
+        <p:blipFill>
+          <a:blip r:embed="rId2"/>
+          <a:stretch>
+            <a:fillRect/>
+          </a:stretch>
+        </p:blipFill>
+        <p:spPr>
+          <a:xfrm>
+            <a:off x="1317165" y="2416374"/>
+            <a:ext cx="10036635" cy="3784305"/>
+          </a:xfrm>
+          <a:prstGeom prst="rect">
+            <a:avLst/>
+          </a:prstGeom>
+        </p:spPr>
+      </p:pic>
+      <p:sp>
+        <p:nvSpPr>
+          <p:cNvPr id="4" name="Rectangle 3"/>
+          <p:cNvSpPr/>
+          <p:nvPr/>
+        </p:nvSpPr>
+        <p:spPr>
+          <a:xfrm>
+            <a:off x="4103538" y="1690688"/>
+            <a:ext cx="3691010" cy="369332"/>
+          </a:xfrm>
+          <a:prstGeom prst="rect">
+            <a:avLst/>
+          </a:prstGeom>
+        </p:spPr>
+        <p:txBody>
+          <a:bodyPr wrap="none">
+            <a:spAutoFit/>
+          </a:bodyPr>
+          <a:lstStyle/>
+          <a:p>
+            <a:pPr algn="ctr"/>
+            <a:r>
+              <a:rPr lang="nl-NL" b="1" dirty="0">
+                <a:solidFill>
+                  <a:srgbClr val="FF0000"/>
+                </a:solidFill>
+              </a:rPr>
+              <a:t>Returns a stream of </a:t>
+            </a:r>
+            <a:r>
+              <a:rPr lang="nl-NL" b="1" dirty="0" err="1">
+                <a:solidFill>
+                  <a:srgbClr val="FF0000"/>
+                </a:solidFill>
+              </a:rPr>
+              <a:t>values</a:t>
+            </a:r>
+            <a:r>
+              <a:rPr lang="nl-NL" b="1" dirty="0">
+                <a:solidFill>
+                  <a:srgbClr val="FF0000"/>
+                </a:solidFill>
+              </a:rPr>
+              <a:t> over time</a:t>
+            </a:r>
+          </a:p>
+        </p:txBody>
+      </p:sp>
+    </p:spTree>
+    <p:extLst>
+      <p:ext uri="{BB962C8B-B14F-4D97-AF65-F5344CB8AC3E}">
+        <p14:creationId xmlns:p14="http://schemas.microsoft.com/office/powerpoint/2010/main" val="1227972222"/>
+      </p:ext>
+    </p:extLst>
+  </p:cSld>
+  <p:clrMapOvr>
+    <a:masterClrMapping/>
+  </p:clrMapOvr>
+</p:sld>
+</file>
+
+<file path=ppt/slides/slide22.xml><?xml version="1.0" encoding="utf-8"?>
+<p:sld xmlns:a="http://schemas.openxmlformats.org/drawingml/2006/main" xmlns:r="http://schemas.openxmlformats.org/officeDocument/2006/relationships" xmlns:p="http://schemas.openxmlformats.org/presentationml/2006/main">
+  <p:cSld>
+    <p:spTree>
+      <p:nvGrpSpPr>
+        <p:cNvPr id="1" name=""/>
+        <p:cNvGrpSpPr/>
+        <p:nvPr/>
+      </p:nvGrpSpPr>
+      <p:grpSpPr>
+        <a:xfrm>
+          <a:off x="0" y="0"/>
+          <a:ext cx="0" cy="0"/>
+          <a:chOff x="0" y="0"/>
+          <a:chExt cx="0" cy="0"/>
+        </a:xfrm>
+      </p:grpSpPr>
+      <p:sp>
+        <p:nvSpPr>
+          <p:cNvPr id="2" name="Title 1"/>
+          <p:cNvSpPr>
+            <a:spLocks noGrp="1"/>
+          </p:cNvSpPr>
+          <p:nvPr>
+            <p:ph type="title"/>
+          </p:nvPr>
+        </p:nvSpPr>
+        <p:spPr/>
+        <p:txBody>
+          <a:bodyPr/>
+          <a:lstStyle/>
+          <a:p>
+            <a:pPr algn="ctr"/>
+            <a:r>
               <a:rPr lang="en-US" b="1" dirty="0" smtClean="0">
                 <a:solidFill>
                   <a:srgbClr val="FFC000"/>
@@ -15250,7 +15451,7 @@
         <p:spPr>
           <a:xfrm>
             <a:off x="1831012" y="1690688"/>
-            <a:ext cx="8529975" cy="7525137"/>
+            <a:ext cx="8529975" cy="7155805"/>
           </a:xfrm>
           <a:prstGeom prst="rect">
             <a:avLst/>
@@ -15335,7 +15536,7 @@
           <a:p>
             <a:pPr algn="ctr"/>
             <a:r>
-              <a:rPr lang="nl-NL" sz="2400" b="1" dirty="0" err="1" smtClean="0">
+              <a:rPr lang="nl-NL" sz="2400" b="1" i="1" dirty="0" err="1" smtClean="0">
                 <a:solidFill>
                   <a:schemeClr val="accent4">
                     <a:lumMod val="75000"/>
@@ -15468,53 +15669,6 @@
           <a:p>
             <a:pPr algn="ctr"/>
             <a:endParaRPr lang="nl-NL" sz="2400" b="1" dirty="0"/>
-          </a:p>
-          <a:p>
-            <a:pPr algn="ctr"/>
-            <a:r>
-              <a:rPr lang="nl-NL" sz="2400" b="1" dirty="0" err="1" smtClean="0">
-                <a:solidFill>
-                  <a:srgbClr val="FF0000"/>
-                </a:solidFill>
-              </a:rPr>
-              <a:t>Example</a:t>
-            </a:r>
-            <a:r>
-              <a:rPr lang="nl-NL" sz="2400" b="1" dirty="0" smtClean="0">
-                <a:solidFill>
-                  <a:srgbClr val="FF0000"/>
-                </a:solidFill>
-              </a:rPr>
-              <a:t> stream: </a:t>
-            </a:r>
-            <a:r>
-              <a:rPr lang="nl-NL" sz="2400" b="1" dirty="0" smtClean="0"/>
-              <a:t>list of ’share </a:t>
-            </a:r>
-            <a:r>
-              <a:rPr lang="nl-NL" sz="2400" b="1" dirty="0" err="1" smtClean="0"/>
-              <a:t>prices</a:t>
-            </a:r>
-            <a:r>
-              <a:rPr lang="nl-NL" sz="2400" b="1" dirty="0" smtClean="0"/>
-              <a:t>’ </a:t>
-            </a:r>
-            <a:r>
-              <a:rPr lang="nl-NL" sz="2400" b="1" dirty="0" err="1" smtClean="0"/>
-              <a:t>which</a:t>
-            </a:r>
-            <a:r>
-              <a:rPr lang="nl-NL" sz="2400" b="1" dirty="0" smtClean="0"/>
-              <a:t> changes </a:t>
-            </a:r>
-            <a:r>
-              <a:rPr lang="nl-NL" sz="2400" b="1" dirty="0" err="1" smtClean="0"/>
-              <a:t>each</a:t>
-            </a:r>
-            <a:r>
-              <a:rPr lang="nl-NL" sz="2400" b="1" dirty="0" smtClean="0"/>
-              <a:t> minute.</a:t>
-            </a:r>
           </a:p>
           <a:p>
             <a:pPr algn="ctr"/>
@@ -15637,6 +15791,54 @@
           </a:p>
         </p:txBody>
       </p:sp>
+      <p:pic>
+        <p:nvPicPr>
+          <p:cNvPr id="4" name="Picture 3"/>
+          <p:cNvPicPr>
+            <a:picLocks noChangeAspect="1"/>
+          </p:cNvPicPr>
+          <p:nvPr/>
+        </p:nvPicPr>
+        <p:blipFill>
+          <a:blip r:embed="rId3"/>
+          <a:stretch>
+            <a:fillRect/>
+          </a:stretch>
+        </p:blipFill>
+        <p:spPr>
+          <a:xfrm>
+            <a:off x="9033432" y="2605948"/>
+            <a:ext cx="2176387" cy="820605"/>
+          </a:xfrm>
+          <a:prstGeom prst="rect">
+            <a:avLst/>
+          </a:prstGeom>
+        </p:spPr>
+      </p:pic>
+      <p:pic>
+        <p:nvPicPr>
+          <p:cNvPr id="5" name="Picture 4"/>
+          <p:cNvPicPr>
+            <a:picLocks noChangeAspect="1"/>
+          </p:cNvPicPr>
+          <p:nvPr/>
+        </p:nvPicPr>
+        <p:blipFill>
+          <a:blip r:embed="rId4"/>
+          <a:stretch>
+            <a:fillRect/>
+          </a:stretch>
+        </p:blipFill>
+        <p:spPr>
+          <a:xfrm>
+            <a:off x="373626" y="3016250"/>
+            <a:ext cx="2511157" cy="1883368"/>
+          </a:xfrm>
+          <a:prstGeom prst="rect">
+            <a:avLst/>
+          </a:prstGeom>
+        </p:spPr>
+      </p:pic>
     </p:spTree>
     <p:extLst>
       <p:ext uri="{BB962C8B-B14F-4D97-AF65-F5344CB8AC3E}">
@@ -15657,7 +15859,7 @@
 </p:sld>
 </file>
 
-<file path=ppt/slides/slide22.xml><?xml version="1.0" encoding="utf-8"?>
+<file path=ppt/slides/slide23.xml><?xml version="1.0" encoding="utf-8"?>
 <p:sld xmlns:a="http://schemas.openxmlformats.org/drawingml/2006/main" xmlns:r="http://schemas.openxmlformats.org/officeDocument/2006/relationships" xmlns:p="http://schemas.openxmlformats.org/presentationml/2006/main">
   <p:cSld>
     <p:spTree>
@@ -15736,144 +15938,6 @@
 </p:sld>
 </file>
 
-<file path=ppt/slides/slide23.xml><?xml version="1.0" encoding="utf-8"?>
-<p:sld xmlns:a="http://schemas.openxmlformats.org/drawingml/2006/main" xmlns:r="http://schemas.openxmlformats.org/officeDocument/2006/relationships" xmlns:p="http://schemas.openxmlformats.org/presentationml/2006/main">
-  <p:cSld>
-    <p:spTree>
-      <p:nvGrpSpPr>
-        <p:cNvPr id="1" name=""/>
-        <p:cNvGrpSpPr/>
-        <p:nvPr/>
-      </p:nvGrpSpPr>
-      <p:grpSpPr>
-        <a:xfrm>
-          <a:off x="0" y="0"/>
-          <a:ext cx="0" cy="0"/>
-          <a:chOff x="0" y="0"/>
-          <a:chExt cx="0" cy="0"/>
-        </a:xfrm>
-      </p:grpSpPr>
-      <p:sp>
-        <p:nvSpPr>
-          <p:cNvPr id="2" name="Title 1"/>
-          <p:cNvSpPr>
-            <a:spLocks noGrp="1"/>
-          </p:cNvSpPr>
-          <p:nvPr>
-            <p:ph type="title"/>
-          </p:nvPr>
-        </p:nvSpPr>
-        <p:spPr/>
-        <p:txBody>
-          <a:bodyPr/>
-          <a:lstStyle/>
-          <a:p>
-            <a:pPr algn="ctr"/>
-            <a:r>
-              <a:rPr lang="en-US" sz="3200" b="1" dirty="0">
-                <a:solidFill>
-                  <a:srgbClr val="FFC000"/>
-                </a:solidFill>
-              </a:rPr>
-              <a:t>Interactive diagrams of Rx Observables</a:t>
-            </a:r>
-            <a:r>
-              <a:rPr lang="en-US" sz="3200" b="1" dirty="0"/>
-              <a:t/>
-            </a:r>
-            <a:br>
-              <a:rPr lang="en-US" sz="3200" b="1" dirty="0"/>
-            </a:br>
-            <a:endParaRPr lang="en-US" sz="3200" b="1" dirty="0">
-              <a:solidFill>
-                <a:srgbClr val="C00000"/>
-              </a:solidFill>
-            </a:endParaRPr>
-          </a:p>
-        </p:txBody>
-      </p:sp>
-      <p:sp>
-        <p:nvSpPr>
-          <p:cNvPr id="3" name="Rectangle 2"/>
-          <p:cNvSpPr/>
-          <p:nvPr/>
-        </p:nvSpPr>
-        <p:spPr>
-          <a:xfrm>
-            <a:off x="1977081" y="2273643"/>
-            <a:ext cx="5270485" cy="1569660"/>
-          </a:xfrm>
-          <a:prstGeom prst="rect">
-            <a:avLst/>
-          </a:prstGeom>
-        </p:spPr>
-        <p:txBody>
-          <a:bodyPr wrap="square">
-            <a:spAutoFit/>
-          </a:bodyPr>
-          <a:lstStyle/>
-          <a:p>
-            <a:r>
-              <a:rPr lang="en-US" sz="3200" b="1" dirty="0">
-                <a:solidFill>
-                  <a:srgbClr val="C00000"/>
-                </a:solidFill>
-                <a:hlinkClick r:id="rId2"/>
-              </a:rPr>
-              <a:t>http://rxmarbles.com</a:t>
-            </a:r>
-            <a:r>
-              <a:rPr lang="en-US" sz="3200" b="1" dirty="0" smtClean="0">
-                <a:solidFill>
-                  <a:srgbClr val="C00000"/>
-                </a:solidFill>
-                <a:hlinkClick r:id="rId2"/>
-              </a:rPr>
-              <a:t>/</a:t>
-            </a:r>
-            <a:endParaRPr lang="en-US" sz="3200" b="1" dirty="0" smtClean="0">
-              <a:solidFill>
-                <a:srgbClr val="C00000"/>
-              </a:solidFill>
-            </a:endParaRPr>
-          </a:p>
-          <a:p>
-            <a:endParaRPr lang="en-US" sz="3200" b="1" dirty="0">
-              <a:solidFill>
-                <a:srgbClr val="C00000"/>
-              </a:solidFill>
-            </a:endParaRPr>
-          </a:p>
-          <a:p>
-            <a:r>
-              <a:rPr lang="en-US" sz="3200" b="1" dirty="0" err="1" smtClean="0">
-                <a:solidFill>
-                  <a:srgbClr val="C00000"/>
-                </a:solidFill>
-              </a:rPr>
-              <a:t>RXFiddle.net</a:t>
-            </a:r>
-            <a:endParaRPr lang="en-US" sz="3200" b="1" dirty="0">
-              <a:solidFill>
-                <a:srgbClr val="C00000"/>
-              </a:solidFill>
-            </a:endParaRPr>
-          </a:p>
-        </p:txBody>
-      </p:sp>
-    </p:spTree>
-    <p:extLst>
-      <p:ext uri="{BB962C8B-B14F-4D97-AF65-F5344CB8AC3E}">
-        <p14:creationId xmlns:p14="http://schemas.microsoft.com/office/powerpoint/2010/main" val="564970751"/>
-      </p:ext>
-    </p:extLst>
-  </p:cSld>
-  <p:clrMapOvr>
-    <a:masterClrMapping/>
-  </p:clrMapOvr>
-</p:sld>
-</file>
-
 <file path=ppt/slides/slide24.xml><?xml version="1.0" encoding="utf-8"?>
 <p:sld xmlns:a="http://schemas.openxmlformats.org/drawingml/2006/main" xmlns:r="http://schemas.openxmlformats.org/officeDocument/2006/relationships" xmlns:p="http://schemas.openxmlformats.org/presentationml/2006/main">
   <p:cSld>
@@ -15908,6 +15972,147 @@
           <a:p>
             <a:pPr algn="ctr"/>
             <a:r>
+              <a:rPr lang="en-US" sz="3200" b="1" dirty="0">
+                <a:solidFill>
+                  <a:srgbClr val="FFC000"/>
+                </a:solidFill>
+              </a:rPr>
+              <a:t>Interactive diagrams of Rx Observables</a:t>
+            </a:r>
+            <a:r>
+              <a:rPr lang="en-US" sz="3200" b="1" dirty="0"/>
+              <a:t/>
+            </a:r>
+            <a:br>
+              <a:rPr lang="en-US" sz="3200" b="1" dirty="0"/>
+            </a:br>
+            <a:endParaRPr lang="en-US" sz="3200" b="1" dirty="0">
+              <a:solidFill>
+                <a:srgbClr val="C00000"/>
+              </a:solidFill>
+            </a:endParaRPr>
+          </a:p>
+        </p:txBody>
+      </p:sp>
+      <p:sp>
+        <p:nvSpPr>
+          <p:cNvPr id="3" name="Rectangle 2"/>
+          <p:cNvSpPr/>
+          <p:nvPr/>
+        </p:nvSpPr>
+        <p:spPr>
+          <a:xfrm>
+            <a:off x="3526971" y="2257313"/>
+            <a:ext cx="5484081" cy="1569660"/>
+          </a:xfrm>
+          <a:prstGeom prst="rect">
+            <a:avLst/>
+          </a:prstGeom>
+        </p:spPr>
+        <p:txBody>
+          <a:bodyPr wrap="square">
+            <a:spAutoFit/>
+          </a:bodyPr>
+          <a:lstStyle/>
+          <a:p>
+            <a:pPr algn="ctr"/>
+            <a:r>
+              <a:rPr lang="en-US" sz="3200" b="1" dirty="0">
+                <a:solidFill>
+                  <a:srgbClr val="C00000"/>
+                </a:solidFill>
+                <a:hlinkClick r:id="rId2"/>
+              </a:rPr>
+              <a:t>http://rxmarbles.com</a:t>
+            </a:r>
+            <a:r>
+              <a:rPr lang="en-US" sz="3200" b="1" dirty="0" smtClean="0">
+                <a:solidFill>
+                  <a:srgbClr val="C00000"/>
+                </a:solidFill>
+                <a:hlinkClick r:id="rId2"/>
+              </a:rPr>
+              <a:t>/</a:t>
+            </a:r>
+            <a:endParaRPr lang="en-US" sz="3200" b="1" dirty="0" smtClean="0">
+              <a:solidFill>
+                <a:srgbClr val="C00000"/>
+              </a:solidFill>
+            </a:endParaRPr>
+          </a:p>
+          <a:p>
+            <a:pPr algn="ctr"/>
+            <a:endParaRPr lang="en-US" sz="3200" b="1" dirty="0">
+              <a:solidFill>
+                <a:srgbClr val="C00000"/>
+              </a:solidFill>
+            </a:endParaRPr>
+          </a:p>
+          <a:p>
+            <a:pPr algn="ctr"/>
+            <a:r>
+              <a:rPr lang="en-US" sz="3200" b="1" dirty="0" err="1" smtClean="0">
+                <a:solidFill>
+                  <a:srgbClr val="C00000"/>
+                </a:solidFill>
+              </a:rPr>
+              <a:t>RXFiddle.net</a:t>
+            </a:r>
+            <a:endParaRPr lang="en-US" sz="3200" b="1" dirty="0">
+              <a:solidFill>
+                <a:srgbClr val="C00000"/>
+              </a:solidFill>
+            </a:endParaRPr>
+          </a:p>
+        </p:txBody>
+      </p:sp>
+    </p:spTree>
+    <p:extLst>
+      <p:ext uri="{BB962C8B-B14F-4D97-AF65-F5344CB8AC3E}">
+        <p14:creationId xmlns:p14="http://schemas.microsoft.com/office/powerpoint/2010/main" val="564970751"/>
+      </p:ext>
+    </p:extLst>
+  </p:cSld>
+  <p:clrMapOvr>
+    <a:masterClrMapping/>
+  </p:clrMapOvr>
+</p:sld>
+</file>
+
+<file path=ppt/slides/slide25.xml><?xml version="1.0" encoding="utf-8"?>
+<p:sld xmlns:a="http://schemas.openxmlformats.org/drawingml/2006/main" xmlns:r="http://schemas.openxmlformats.org/officeDocument/2006/relationships" xmlns:p="http://schemas.openxmlformats.org/presentationml/2006/main">
+  <p:cSld>
+    <p:spTree>
+      <p:nvGrpSpPr>
+        <p:cNvPr id="1" name=""/>
+        <p:cNvGrpSpPr/>
+        <p:nvPr/>
+      </p:nvGrpSpPr>
+      <p:grpSpPr>
+        <a:xfrm>
+          <a:off x="0" y="0"/>
+          <a:ext cx="0" cy="0"/>
+          <a:chOff x="0" y="0"/>
+          <a:chExt cx="0" cy="0"/>
+        </a:xfrm>
+      </p:grpSpPr>
+      <p:sp>
+        <p:nvSpPr>
+          <p:cNvPr id="2" name="Title 1"/>
+          <p:cNvSpPr>
+            <a:spLocks noGrp="1"/>
+          </p:cNvSpPr>
+          <p:nvPr>
+            <p:ph type="title"/>
+          </p:nvPr>
+        </p:nvSpPr>
+        <p:spPr/>
+        <p:txBody>
+          <a:bodyPr/>
+          <a:lstStyle/>
+          <a:p>
+            <a:pPr algn="ctr"/>
+            <a:r>
               <a:rPr lang="en-US" b="1" dirty="0" smtClean="0">
                 <a:solidFill>
                   <a:srgbClr val="FFC000"/>
@@ -15932,7 +16137,7 @@
         <p:spPr>
           <a:xfrm>
             <a:off x="1831012" y="2086104"/>
-            <a:ext cx="8529975" cy="4939814"/>
+            <a:ext cx="8529975" cy="5124480"/>
           </a:xfrm>
           <a:prstGeom prst="rect">
             <a:avLst/>
@@ -16079,7 +16284,7 @@
             <a:r>
               <a:rPr lang="nl-NL" sz="2400" b="1" u="sng" dirty="0" err="1" smtClean="0">
                 <a:solidFill>
-                  <a:schemeClr val="accent2"/>
+                  <a:srgbClr val="00B050"/>
                 </a:solidFill>
               </a:rPr>
               <a:t>result</a:t>
@@ -16097,8 +16302,16 @@
               <a:t>= </a:t>
             </a:r>
             <a:r>
+              <a:rPr lang="nl-NL" sz="2400" b="1" dirty="0" err="1" smtClean="0">
+                <a:solidFill>
+                  <a:schemeClr val="accent2"/>
+                </a:solidFill>
+              </a:rPr>
+              <a:t>source</a:t>
+            </a:r>
+            <a:r>
               <a:rPr lang="nl-NL" sz="2400" b="1" u="sng" dirty="0" err="1" smtClean="0"/>
-              <a:t>source.</a:t>
+              <a:t>.</a:t>
             </a:r>
             <a:r>
               <a:rPr lang="nl-NL" sz="2400" b="1" u="sng" dirty="0" err="1" smtClean="0">
@@ -16110,7 +16323,19 @@
             </a:r>
             <a:r>
               <a:rPr lang="nl-NL" sz="2400" b="1" u="sng" dirty="0" smtClean="0"/>
-              <a:t>(x =&gt; </a:t>
+              <a:t>(</a:t>
+            </a:r>
+            <a:r>
+              <a:rPr lang="nl-NL" sz="3600" b="1" u="sng" dirty="0" smtClean="0"/>
+              <a:t>x </a:t>
+            </a:r>
+            <a:r>
+              <a:rPr lang="nl-NL" sz="3600" b="1" u="sng" dirty="0" smtClean="0"/>
+              <a:t>=&gt;</a:t>
+            </a:r>
+            <a:r>
+              <a:rPr lang="nl-NL" sz="2400" b="1" u="sng" dirty="0" smtClean="0"/>
+              <a:t> </a:t>
             </a:r>
             <a:r>
               <a:rPr lang="nl-NL" sz="2400" b="1" u="sng" dirty="0" err="1" smtClean="0"/>
@@ -16246,7 +16471,7 @@
 </p:sld>
 </file>
 
-<file path=ppt/slides/slide25.xml><?xml version="1.0" encoding="utf-8"?>
+<file path=ppt/slides/slide26.xml><?xml version="1.0" encoding="utf-8"?>
 <p:sld xmlns:a="http://schemas.openxmlformats.org/drawingml/2006/main" xmlns:r="http://schemas.openxmlformats.org/officeDocument/2006/relationships" xmlns:p="http://schemas.openxmlformats.org/presentationml/2006/main">
   <p:cSld>
     <p:spTree>
@@ -17253,566 +17478,6 @@
 </p:sld>
 </file>
 
-<file path=ppt/slides/slide26.xml><?xml version="1.0" encoding="utf-8"?>
-<p:sld xmlns:a="http://schemas.openxmlformats.org/drawingml/2006/main" xmlns:r="http://schemas.openxmlformats.org/officeDocument/2006/relationships" xmlns:p="http://schemas.openxmlformats.org/presentationml/2006/main">
-  <p:cSld>
-    <p:spTree>
-      <p:nvGrpSpPr>
-        <p:cNvPr id="1" name=""/>
-        <p:cNvGrpSpPr/>
-        <p:nvPr/>
-      </p:nvGrpSpPr>
-      <p:grpSpPr>
-        <a:xfrm>
-          <a:off x="0" y="0"/>
-          <a:ext cx="0" cy="0"/>
-          <a:chOff x="0" y="0"/>
-          <a:chExt cx="0" cy="0"/>
-        </a:xfrm>
-      </p:grpSpPr>
-      <p:sp>
-        <p:nvSpPr>
-          <p:cNvPr id="2" name="Title 1"/>
-          <p:cNvSpPr>
-            <a:spLocks noGrp="1"/>
-          </p:cNvSpPr>
-          <p:nvPr>
-            <p:ph type="title"/>
-          </p:nvPr>
-        </p:nvSpPr>
-        <p:spPr/>
-        <p:txBody>
-          <a:bodyPr/>
-          <a:lstStyle/>
-          <a:p>
-            <a:pPr algn="ctr"/>
-            <a:r>
-              <a:rPr lang="nl-NL" b="1" dirty="0" err="1" smtClean="0">
-                <a:solidFill>
-                  <a:srgbClr val="FFC000"/>
-                </a:solidFill>
-              </a:rPr>
-              <a:t>Use</a:t>
-            </a:r>
-            <a:r>
-              <a:rPr lang="nl-NL" b="1" dirty="0" smtClean="0">
-                <a:solidFill>
-                  <a:srgbClr val="FFC000"/>
-                </a:solidFill>
-              </a:rPr>
-              <a:t> </a:t>
-            </a:r>
-            <a:r>
-              <a:rPr lang="nl-NL" b="1" dirty="0" err="1" smtClean="0">
-                <a:solidFill>
-                  <a:srgbClr val="FFC000"/>
-                </a:solidFill>
-              </a:rPr>
-              <a:t>the</a:t>
-            </a:r>
-            <a:r>
-              <a:rPr lang="nl-NL" b="1" dirty="0" smtClean="0">
-                <a:solidFill>
-                  <a:srgbClr val="FFC000"/>
-                </a:solidFill>
-              </a:rPr>
-              <a:t> </a:t>
-            </a:r>
-            <a:r>
-              <a:rPr lang="nl-NL" b="1" dirty="0" err="1" smtClean="0">
-                <a:solidFill>
-                  <a:srgbClr val="FFC000"/>
-                </a:solidFill>
-              </a:rPr>
-              <a:t>BookService</a:t>
-            </a:r>
-            <a:r>
-              <a:rPr lang="nl-NL" b="1" dirty="0" smtClean="0">
-                <a:solidFill>
-                  <a:srgbClr val="FFC000"/>
-                </a:solidFill>
-              </a:rPr>
-              <a:t> in </a:t>
-            </a:r>
-            <a:r>
-              <a:rPr lang="nl-NL" b="1" dirty="0" err="1" smtClean="0">
-                <a:solidFill>
-                  <a:srgbClr val="FFC000"/>
-                </a:solidFill>
-              </a:rPr>
-              <a:t>your</a:t>
-            </a:r>
-            <a:r>
-              <a:rPr lang="nl-NL" b="1" dirty="0" smtClean="0">
-                <a:solidFill>
-                  <a:srgbClr val="FFC000"/>
-                </a:solidFill>
-              </a:rPr>
-              <a:t> </a:t>
-            </a:r>
-            <a:r>
-              <a:rPr lang="nl-NL" b="1" dirty="0" err="1" smtClean="0">
-                <a:solidFill>
-                  <a:srgbClr val="FFC000"/>
-                </a:solidFill>
-              </a:rPr>
-              <a:t>BooksComponent</a:t>
-            </a:r>
-            <a:endParaRPr lang="nl-NL" dirty="0"/>
-          </a:p>
-        </p:txBody>
-      </p:sp>
-      <p:sp>
-        <p:nvSpPr>
-          <p:cNvPr id="3" name="Content Placeholder 2"/>
-          <p:cNvSpPr>
-            <a:spLocks noGrp="1"/>
-          </p:cNvSpPr>
-          <p:nvPr>
-            <p:ph idx="1"/>
-          </p:nvPr>
-        </p:nvSpPr>
-        <p:spPr>
-          <a:xfrm>
-            <a:off x="2260223" y="1863080"/>
-            <a:ext cx="8375822" cy="4372877"/>
-          </a:xfrm>
-        </p:spPr>
-        <p:txBody>
-          <a:bodyPr>
-            <a:normAutofit/>
-          </a:bodyPr>
-          <a:lstStyle/>
-          <a:p>
-            <a:pPr marL="0" indent="0">
-              <a:spcBef>
-                <a:spcPts val="50"/>
-              </a:spcBef>
-              <a:buNone/>
-            </a:pPr>
-            <a:r>
-              <a:rPr lang="nl-NL" sz="2000" b="1" dirty="0" smtClean="0">
-                <a:solidFill>
-                  <a:srgbClr val="FF0000"/>
-                </a:solidFill>
-              </a:rPr>
-              <a:t>import</a:t>
-            </a:r>
-            <a:r>
-              <a:rPr lang="nl-NL" sz="2000" b="1" dirty="0" smtClean="0"/>
-              <a:t> </a:t>
-            </a:r>
-            <a:r>
-              <a:rPr lang="nl-NL" sz="2000" b="1" dirty="0"/>
-              <a:t>{ Component, </a:t>
-            </a:r>
-            <a:r>
-              <a:rPr lang="nl-NL" sz="2000" b="1" dirty="0" err="1"/>
-              <a:t>OnInit</a:t>
-            </a:r>
-            <a:r>
-              <a:rPr lang="nl-NL" sz="2000" b="1" dirty="0"/>
-              <a:t> } </a:t>
-            </a:r>
-            <a:r>
-              <a:rPr lang="nl-NL" sz="2000" b="1" dirty="0" err="1"/>
-              <a:t>from</a:t>
-            </a:r>
-            <a:r>
-              <a:rPr lang="nl-NL" sz="2000" b="1" dirty="0"/>
-              <a:t> </a:t>
-            </a:r>
-            <a:r>
-              <a:rPr lang="nl-NL" sz="2000" b="1" dirty="0">
-                <a:solidFill>
-                  <a:srgbClr val="FF0000"/>
-                </a:solidFill>
-              </a:rPr>
-              <a:t>'@</a:t>
-            </a:r>
-            <a:r>
-              <a:rPr lang="nl-NL" sz="2000" b="1" dirty="0" err="1">
-                <a:solidFill>
-                  <a:srgbClr val="FF0000"/>
-                </a:solidFill>
-              </a:rPr>
-              <a:t>angular</a:t>
-            </a:r>
-            <a:r>
-              <a:rPr lang="nl-NL" sz="2000" b="1" dirty="0">
-                <a:solidFill>
-                  <a:srgbClr val="FF0000"/>
-                </a:solidFill>
-              </a:rPr>
-              <a:t>/</a:t>
-            </a:r>
-            <a:r>
-              <a:rPr lang="nl-NL" sz="2000" b="1" dirty="0" err="1">
-                <a:solidFill>
-                  <a:srgbClr val="FF0000"/>
-                </a:solidFill>
-              </a:rPr>
-              <a:t>core</a:t>
-            </a:r>
-            <a:r>
-              <a:rPr lang="nl-NL" sz="2000" b="1" dirty="0" smtClean="0"/>
-              <a:t>';</a:t>
-            </a:r>
-            <a:r>
-              <a:rPr lang="nl-NL" sz="2000" b="1" dirty="0"/>
-              <a:t/>
-            </a:r>
-            <a:br>
-              <a:rPr lang="nl-NL" sz="2000" b="1" dirty="0"/>
-            </a:br>
-            <a:r>
-              <a:rPr lang="nl-NL" sz="2000" b="1" dirty="0">
-                <a:solidFill>
-                  <a:srgbClr val="FF0000"/>
-                </a:solidFill>
-              </a:rPr>
-              <a:t>import</a:t>
-            </a:r>
-            <a:r>
-              <a:rPr lang="nl-NL" sz="2000" b="1" dirty="0"/>
-              <a:t> { </a:t>
-            </a:r>
-            <a:r>
-              <a:rPr lang="nl-NL" sz="2000" b="1" dirty="0" err="1"/>
-              <a:t>Book</a:t>
-            </a:r>
-            <a:r>
-              <a:rPr lang="nl-NL" sz="2000" b="1" dirty="0"/>
-              <a:t> } </a:t>
-            </a:r>
-            <a:r>
-              <a:rPr lang="nl-NL" sz="2000" b="1" dirty="0" err="1"/>
-              <a:t>from</a:t>
-            </a:r>
-            <a:r>
-              <a:rPr lang="nl-NL" sz="2000" b="1" dirty="0"/>
-              <a:t> '../</a:t>
-            </a:r>
-            <a:r>
-              <a:rPr lang="nl-NL" sz="2000" b="1" dirty="0" err="1"/>
-              <a:t>book</a:t>
-            </a:r>
-            <a:r>
-              <a:rPr lang="nl-NL" sz="2000" b="1" dirty="0"/>
-              <a:t>';</a:t>
-            </a:r>
-          </a:p>
-          <a:p>
-            <a:pPr marL="0" indent="0">
-              <a:spcBef>
-                <a:spcPts val="50"/>
-              </a:spcBef>
-              <a:buNone/>
-            </a:pPr>
-            <a:r>
-              <a:rPr lang="nl-NL" sz="2000" b="1" dirty="0">
-                <a:solidFill>
-                  <a:srgbClr val="FF0000"/>
-                </a:solidFill>
-              </a:rPr>
-              <a:t>import</a:t>
-            </a:r>
-            <a:r>
-              <a:rPr lang="nl-NL" sz="2000" b="1" dirty="0"/>
-              <a:t> { </a:t>
-            </a:r>
-            <a:r>
-              <a:rPr lang="nl-NL" sz="2000" b="1" dirty="0" err="1">
-                <a:solidFill>
-                  <a:srgbClr val="C00000"/>
-                </a:solidFill>
-              </a:rPr>
-              <a:t>BookService</a:t>
-            </a:r>
-            <a:r>
-              <a:rPr lang="nl-NL" sz="2000" b="1" dirty="0"/>
-              <a:t> } </a:t>
-            </a:r>
-            <a:r>
-              <a:rPr lang="nl-NL" sz="2000" b="1" dirty="0" err="1"/>
-              <a:t>from</a:t>
-            </a:r>
-            <a:r>
-              <a:rPr lang="nl-NL" sz="2000" b="1" dirty="0"/>
-              <a:t> '</a:t>
-            </a:r>
-            <a:r>
-              <a:rPr lang="nl-NL" sz="2000" b="1" dirty="0">
-                <a:solidFill>
-                  <a:srgbClr val="C00000"/>
-                </a:solidFill>
-              </a:rPr>
-              <a:t>../</a:t>
-            </a:r>
-            <a:r>
-              <a:rPr lang="nl-NL" sz="2000" b="1" dirty="0" err="1">
-                <a:solidFill>
-                  <a:srgbClr val="C00000"/>
-                </a:solidFill>
-              </a:rPr>
-              <a:t>book.service</a:t>
-            </a:r>
-            <a:r>
-              <a:rPr lang="nl-NL" sz="2000" b="1" dirty="0" smtClean="0"/>
-              <a:t>';</a:t>
-            </a:r>
-            <a:br>
-              <a:rPr lang="nl-NL" sz="2000" b="1" dirty="0" smtClean="0"/>
-            </a:br>
-            <a:endParaRPr lang="nl-NL" sz="2000" b="1" dirty="0" smtClean="0"/>
-          </a:p>
-          <a:p>
-            <a:pPr marL="0" indent="0">
-              <a:spcBef>
-                <a:spcPts val="50"/>
-              </a:spcBef>
-              <a:buNone/>
-            </a:pPr>
-            <a:endParaRPr lang="nl-NL" sz="2000" b="1" dirty="0"/>
-          </a:p>
-          <a:p>
-            <a:pPr marL="0" indent="0">
-              <a:spcBef>
-                <a:spcPts val="50"/>
-              </a:spcBef>
-              <a:buNone/>
-            </a:pPr>
-            <a:r>
-              <a:rPr lang="nl-NL" sz="2000" b="1" dirty="0">
-                <a:solidFill>
-                  <a:srgbClr val="FF0000"/>
-                </a:solidFill>
-              </a:rPr>
-              <a:t>@Component</a:t>
-            </a:r>
-            <a:r>
-              <a:rPr lang="nl-NL" sz="2000" b="1" dirty="0"/>
-              <a:t>({</a:t>
-            </a:r>
-          </a:p>
-          <a:p>
-            <a:pPr marL="0" indent="0">
-              <a:spcBef>
-                <a:spcPts val="50"/>
-              </a:spcBef>
-              <a:buNone/>
-            </a:pPr>
-            <a:r>
-              <a:rPr lang="nl-NL" sz="2000" b="1" dirty="0" smtClean="0"/>
-              <a:t>	</a:t>
-            </a:r>
-            <a:r>
-              <a:rPr lang="nl-NL" sz="2000" b="1" dirty="0" err="1" smtClean="0">
-                <a:solidFill>
-                  <a:srgbClr val="C00000"/>
-                </a:solidFill>
-              </a:rPr>
-              <a:t>selector</a:t>
-            </a:r>
-            <a:r>
-              <a:rPr lang="nl-NL" sz="2000" b="1" dirty="0"/>
-              <a:t>: 'app-</a:t>
-            </a:r>
-            <a:r>
-              <a:rPr lang="nl-NL" sz="2000" b="1" dirty="0" err="1"/>
-              <a:t>books</a:t>
-            </a:r>
-            <a:r>
-              <a:rPr lang="nl-NL" sz="2000" b="1" dirty="0"/>
-              <a:t>',</a:t>
-            </a:r>
-          </a:p>
-          <a:p>
-            <a:pPr marL="0" indent="0">
-              <a:spcBef>
-                <a:spcPts val="50"/>
-              </a:spcBef>
-              <a:buNone/>
-            </a:pPr>
-            <a:r>
-              <a:rPr lang="nl-NL" sz="2000" b="1" dirty="0" smtClean="0"/>
-              <a:t>	</a:t>
-            </a:r>
-            <a:r>
-              <a:rPr lang="nl-NL" sz="2000" b="1" dirty="0" err="1" smtClean="0">
-                <a:solidFill>
-                  <a:srgbClr val="C00000"/>
-                </a:solidFill>
-              </a:rPr>
-              <a:t>templateUrl</a:t>
-            </a:r>
-            <a:r>
-              <a:rPr lang="nl-NL" sz="2000" b="1" dirty="0"/>
-              <a:t>: './</a:t>
-            </a:r>
-            <a:r>
-              <a:rPr lang="nl-NL" sz="2000" b="1" dirty="0" err="1"/>
-              <a:t>books.component.html</a:t>
-            </a:r>
-            <a:r>
-              <a:rPr lang="nl-NL" sz="2000" b="1" dirty="0"/>
-              <a:t>',</a:t>
-            </a:r>
-          </a:p>
-          <a:p>
-            <a:pPr marL="0" indent="0">
-              <a:spcBef>
-                <a:spcPts val="50"/>
-              </a:spcBef>
-              <a:buNone/>
-            </a:pPr>
-            <a:r>
-              <a:rPr lang="nl-NL" sz="2000" b="1" dirty="0" smtClean="0"/>
-              <a:t>	</a:t>
-            </a:r>
-            <a:r>
-              <a:rPr lang="nl-NL" sz="2000" b="1" dirty="0" err="1" smtClean="0">
-                <a:solidFill>
-                  <a:srgbClr val="C00000"/>
-                </a:solidFill>
-              </a:rPr>
-              <a:t>styleUrls</a:t>
-            </a:r>
-            <a:r>
-              <a:rPr lang="nl-NL" sz="2000" b="1" dirty="0"/>
-              <a:t>: ['./</a:t>
-            </a:r>
-            <a:r>
-              <a:rPr lang="nl-NL" sz="2000" b="1" dirty="0" err="1"/>
-              <a:t>books.component.css</a:t>
-            </a:r>
-            <a:r>
-              <a:rPr lang="nl-NL" sz="2000" b="1" dirty="0"/>
-              <a:t>']</a:t>
-            </a:r>
-          </a:p>
-          <a:p>
-            <a:pPr marL="0" indent="0">
-              <a:spcBef>
-                <a:spcPts val="50"/>
-              </a:spcBef>
-              <a:buNone/>
-            </a:pPr>
-            <a:r>
-              <a:rPr lang="nl-NL" sz="2000" b="1" dirty="0" smtClean="0"/>
-              <a:t>})</a:t>
-            </a:r>
-          </a:p>
-          <a:p>
-            <a:pPr marL="0" indent="0">
-              <a:spcBef>
-                <a:spcPts val="50"/>
-              </a:spcBef>
-              <a:buNone/>
-            </a:pPr>
-            <a:endParaRPr lang="nl-NL" sz="2000" b="1" dirty="0"/>
-          </a:p>
-          <a:p>
-            <a:pPr marL="0" indent="0">
-              <a:spcBef>
-                <a:spcPts val="50"/>
-              </a:spcBef>
-              <a:buNone/>
-            </a:pPr>
-            <a:r>
-              <a:rPr lang="nl-NL" sz="2000" b="1" dirty="0">
-                <a:solidFill>
-                  <a:schemeClr val="accent4">
-                    <a:lumMod val="75000"/>
-                  </a:schemeClr>
-                </a:solidFill>
-              </a:rPr>
-              <a:t>export</a:t>
-            </a:r>
-            <a:r>
-              <a:rPr lang="nl-NL" sz="2000" b="1" dirty="0"/>
-              <a:t> class </a:t>
-            </a:r>
-            <a:r>
-              <a:rPr lang="nl-NL" sz="2000" b="1" dirty="0" err="1">
-                <a:solidFill>
-                  <a:srgbClr val="FF0000"/>
-                </a:solidFill>
-              </a:rPr>
-              <a:t>BooksComponent</a:t>
-            </a:r>
-            <a:r>
-              <a:rPr lang="nl-NL" sz="2000" b="1" dirty="0">
-                <a:solidFill>
-                  <a:srgbClr val="FF0000"/>
-                </a:solidFill>
-              </a:rPr>
-              <a:t> </a:t>
-            </a:r>
-            <a:r>
-              <a:rPr lang="nl-NL" sz="2000" b="1" dirty="0" err="1"/>
-              <a:t>implements</a:t>
-            </a:r>
-            <a:r>
-              <a:rPr lang="nl-NL" sz="2000" b="1" dirty="0"/>
-              <a:t> </a:t>
-            </a:r>
-            <a:r>
-              <a:rPr lang="nl-NL" sz="2000" b="1" dirty="0" err="1">
-                <a:solidFill>
-                  <a:srgbClr val="C00000"/>
-                </a:solidFill>
-              </a:rPr>
-              <a:t>OnInit</a:t>
-            </a:r>
-            <a:r>
-              <a:rPr lang="nl-NL" sz="2000" b="1" dirty="0">
-                <a:solidFill>
-                  <a:srgbClr val="C00000"/>
-                </a:solidFill>
-              </a:rPr>
-              <a:t> </a:t>
-            </a:r>
-            <a:r>
-              <a:rPr lang="nl-NL" sz="2000" b="1" dirty="0"/>
-              <a:t>{</a:t>
-            </a:r>
-          </a:p>
-          <a:p>
-            <a:pPr marL="0" indent="0">
-              <a:spcBef>
-                <a:spcPts val="50"/>
-              </a:spcBef>
-              <a:buNone/>
-            </a:pPr>
-            <a:r>
-              <a:rPr lang="mr-IN" sz="2000" b="1" dirty="0" smtClean="0"/>
-              <a:t>…</a:t>
-            </a:r>
-            <a:endParaRPr lang="nl-NL" sz="2000" b="1" dirty="0"/>
-          </a:p>
-        </p:txBody>
-      </p:sp>
-    </p:spTree>
-    <p:extLst>
-      <p:ext uri="{BB962C8B-B14F-4D97-AF65-F5344CB8AC3E}">
-        <p14:creationId xmlns:p14="http://schemas.microsoft.com/office/powerpoint/2010/main" val="1779047522"/>
-      </p:ext>
-    </p:extLst>
-  </p:cSld>
-  <p:clrMapOvr>
-    <a:masterClrMapping/>
-  </p:clrMapOvr>
-  <p:timing>
-    <p:tnLst>
-      <p:par>
-        <p:cTn id="1" dur="indefinite" restart="never" nodeType="tmRoot"/>
-      </p:par>
-    </p:tnLst>
-  </p:timing>
-</p:sld>
-</file>
-
 <file path=ppt/slides/slide27.xml><?xml version="1.0" encoding="utf-8"?>
 <p:sld xmlns:a="http://schemas.openxmlformats.org/drawingml/2006/main" xmlns:r="http://schemas.openxmlformats.org/officeDocument/2006/relationships" xmlns:p="http://schemas.openxmlformats.org/presentationml/2006/main">
   <p:cSld>
@@ -17852,6 +17517,566 @@
                   <a:srgbClr val="FFC000"/>
                 </a:solidFill>
               </a:rPr>
+              <a:t>Use</a:t>
+            </a:r>
+            <a:r>
+              <a:rPr lang="nl-NL" b="1" dirty="0" smtClean="0">
+                <a:solidFill>
+                  <a:srgbClr val="FFC000"/>
+                </a:solidFill>
+              </a:rPr>
+              <a:t> </a:t>
+            </a:r>
+            <a:r>
+              <a:rPr lang="nl-NL" b="1" dirty="0" err="1" smtClean="0">
+                <a:solidFill>
+                  <a:srgbClr val="FFC000"/>
+                </a:solidFill>
+              </a:rPr>
+              <a:t>the</a:t>
+            </a:r>
+            <a:r>
+              <a:rPr lang="nl-NL" b="1" dirty="0" smtClean="0">
+                <a:solidFill>
+                  <a:srgbClr val="FFC000"/>
+                </a:solidFill>
+              </a:rPr>
+              <a:t> </a:t>
+            </a:r>
+            <a:r>
+              <a:rPr lang="nl-NL" b="1" dirty="0" err="1" smtClean="0">
+                <a:solidFill>
+                  <a:srgbClr val="FFC000"/>
+                </a:solidFill>
+              </a:rPr>
+              <a:t>BookService</a:t>
+            </a:r>
+            <a:r>
+              <a:rPr lang="nl-NL" b="1" dirty="0" smtClean="0">
+                <a:solidFill>
+                  <a:srgbClr val="FFC000"/>
+                </a:solidFill>
+              </a:rPr>
+              <a:t> in </a:t>
+            </a:r>
+            <a:r>
+              <a:rPr lang="nl-NL" b="1" dirty="0" err="1" smtClean="0">
+                <a:solidFill>
+                  <a:srgbClr val="FFC000"/>
+                </a:solidFill>
+              </a:rPr>
+              <a:t>your</a:t>
+            </a:r>
+            <a:r>
+              <a:rPr lang="nl-NL" b="1" dirty="0" smtClean="0">
+                <a:solidFill>
+                  <a:srgbClr val="FFC000"/>
+                </a:solidFill>
+              </a:rPr>
+              <a:t> </a:t>
+            </a:r>
+            <a:r>
+              <a:rPr lang="nl-NL" b="1" dirty="0" err="1" smtClean="0">
+                <a:solidFill>
+                  <a:srgbClr val="FFC000"/>
+                </a:solidFill>
+              </a:rPr>
+              <a:t>BooksComponent</a:t>
+            </a:r>
+            <a:endParaRPr lang="nl-NL" dirty="0"/>
+          </a:p>
+        </p:txBody>
+      </p:sp>
+      <p:sp>
+        <p:nvSpPr>
+          <p:cNvPr id="3" name="Content Placeholder 2"/>
+          <p:cNvSpPr>
+            <a:spLocks noGrp="1"/>
+          </p:cNvSpPr>
+          <p:nvPr>
+            <p:ph idx="1"/>
+          </p:nvPr>
+        </p:nvSpPr>
+        <p:spPr>
+          <a:xfrm>
+            <a:off x="2260223" y="1863080"/>
+            <a:ext cx="8375822" cy="4372877"/>
+          </a:xfrm>
+        </p:spPr>
+        <p:txBody>
+          <a:bodyPr>
+            <a:normAutofit/>
+          </a:bodyPr>
+          <a:lstStyle/>
+          <a:p>
+            <a:pPr marL="0" indent="0">
+              <a:spcBef>
+                <a:spcPts val="50"/>
+              </a:spcBef>
+              <a:buNone/>
+            </a:pPr>
+            <a:r>
+              <a:rPr lang="nl-NL" sz="2000" b="1" dirty="0" smtClean="0">
+                <a:solidFill>
+                  <a:srgbClr val="FF0000"/>
+                </a:solidFill>
+              </a:rPr>
+              <a:t>import</a:t>
+            </a:r>
+            <a:r>
+              <a:rPr lang="nl-NL" sz="2000" b="1" dirty="0" smtClean="0"/>
+              <a:t> </a:t>
+            </a:r>
+            <a:r>
+              <a:rPr lang="nl-NL" sz="2000" b="1" dirty="0"/>
+              <a:t>{ Component, </a:t>
+            </a:r>
+            <a:r>
+              <a:rPr lang="nl-NL" sz="2000" b="1" dirty="0" err="1"/>
+              <a:t>OnInit</a:t>
+            </a:r>
+            <a:r>
+              <a:rPr lang="nl-NL" sz="2000" b="1" dirty="0"/>
+              <a:t> } </a:t>
+            </a:r>
+            <a:r>
+              <a:rPr lang="nl-NL" sz="2000" b="1" dirty="0" err="1"/>
+              <a:t>from</a:t>
+            </a:r>
+            <a:r>
+              <a:rPr lang="nl-NL" sz="2000" b="1" dirty="0"/>
+              <a:t> </a:t>
+            </a:r>
+            <a:r>
+              <a:rPr lang="nl-NL" sz="2000" b="1" dirty="0">
+                <a:solidFill>
+                  <a:srgbClr val="FF0000"/>
+                </a:solidFill>
+              </a:rPr>
+              <a:t>'@</a:t>
+            </a:r>
+            <a:r>
+              <a:rPr lang="nl-NL" sz="2000" b="1" dirty="0" err="1">
+                <a:solidFill>
+                  <a:srgbClr val="FF0000"/>
+                </a:solidFill>
+              </a:rPr>
+              <a:t>angular</a:t>
+            </a:r>
+            <a:r>
+              <a:rPr lang="nl-NL" sz="2000" b="1" dirty="0">
+                <a:solidFill>
+                  <a:srgbClr val="FF0000"/>
+                </a:solidFill>
+              </a:rPr>
+              <a:t>/</a:t>
+            </a:r>
+            <a:r>
+              <a:rPr lang="nl-NL" sz="2000" b="1" dirty="0" err="1">
+                <a:solidFill>
+                  <a:srgbClr val="FF0000"/>
+                </a:solidFill>
+              </a:rPr>
+              <a:t>core</a:t>
+            </a:r>
+            <a:r>
+              <a:rPr lang="nl-NL" sz="2000" b="1" dirty="0" smtClean="0"/>
+              <a:t>';</a:t>
+            </a:r>
+            <a:r>
+              <a:rPr lang="nl-NL" sz="2000" b="1" dirty="0"/>
+              <a:t/>
+            </a:r>
+            <a:br>
+              <a:rPr lang="nl-NL" sz="2000" b="1" dirty="0"/>
+            </a:br>
+            <a:r>
+              <a:rPr lang="nl-NL" sz="2000" b="1" dirty="0">
+                <a:solidFill>
+                  <a:srgbClr val="FF0000"/>
+                </a:solidFill>
+              </a:rPr>
+              <a:t>import</a:t>
+            </a:r>
+            <a:r>
+              <a:rPr lang="nl-NL" sz="2000" b="1" dirty="0"/>
+              <a:t> { </a:t>
+            </a:r>
+            <a:r>
+              <a:rPr lang="nl-NL" sz="2000" b="1" dirty="0" err="1"/>
+              <a:t>Book</a:t>
+            </a:r>
+            <a:r>
+              <a:rPr lang="nl-NL" sz="2000" b="1" dirty="0"/>
+              <a:t> } </a:t>
+            </a:r>
+            <a:r>
+              <a:rPr lang="nl-NL" sz="2000" b="1" dirty="0" err="1"/>
+              <a:t>from</a:t>
+            </a:r>
+            <a:r>
+              <a:rPr lang="nl-NL" sz="2000" b="1" dirty="0"/>
+              <a:t> '../</a:t>
+            </a:r>
+            <a:r>
+              <a:rPr lang="nl-NL" sz="2000" b="1" dirty="0" err="1"/>
+              <a:t>book</a:t>
+            </a:r>
+            <a:r>
+              <a:rPr lang="nl-NL" sz="2000" b="1" dirty="0"/>
+              <a:t>';</a:t>
+            </a:r>
+          </a:p>
+          <a:p>
+            <a:pPr marL="0" indent="0">
+              <a:spcBef>
+                <a:spcPts val="50"/>
+              </a:spcBef>
+              <a:buNone/>
+            </a:pPr>
+            <a:r>
+              <a:rPr lang="nl-NL" sz="2000" b="1" dirty="0">
+                <a:solidFill>
+                  <a:srgbClr val="FF0000"/>
+                </a:solidFill>
+              </a:rPr>
+              <a:t>import</a:t>
+            </a:r>
+            <a:r>
+              <a:rPr lang="nl-NL" sz="2000" b="1" dirty="0"/>
+              <a:t> { </a:t>
+            </a:r>
+            <a:r>
+              <a:rPr lang="nl-NL" sz="2000" b="1" dirty="0" err="1">
+                <a:solidFill>
+                  <a:srgbClr val="C00000"/>
+                </a:solidFill>
+              </a:rPr>
+              <a:t>BookService</a:t>
+            </a:r>
+            <a:r>
+              <a:rPr lang="nl-NL" sz="2000" b="1" dirty="0"/>
+              <a:t> } </a:t>
+            </a:r>
+            <a:r>
+              <a:rPr lang="nl-NL" sz="2000" b="1" dirty="0" err="1"/>
+              <a:t>from</a:t>
+            </a:r>
+            <a:r>
+              <a:rPr lang="nl-NL" sz="2000" b="1" dirty="0"/>
+              <a:t> '</a:t>
+            </a:r>
+            <a:r>
+              <a:rPr lang="nl-NL" sz="2000" b="1" dirty="0">
+                <a:solidFill>
+                  <a:srgbClr val="C00000"/>
+                </a:solidFill>
+              </a:rPr>
+              <a:t>../</a:t>
+            </a:r>
+            <a:r>
+              <a:rPr lang="nl-NL" sz="2000" b="1" dirty="0" err="1">
+                <a:solidFill>
+                  <a:srgbClr val="C00000"/>
+                </a:solidFill>
+              </a:rPr>
+              <a:t>book.service</a:t>
+            </a:r>
+            <a:r>
+              <a:rPr lang="nl-NL" sz="2000" b="1" dirty="0" smtClean="0"/>
+              <a:t>';</a:t>
+            </a:r>
+            <a:br>
+              <a:rPr lang="nl-NL" sz="2000" b="1" dirty="0" smtClean="0"/>
+            </a:br>
+            <a:endParaRPr lang="nl-NL" sz="2000" b="1" dirty="0" smtClean="0"/>
+          </a:p>
+          <a:p>
+            <a:pPr marL="0" indent="0">
+              <a:spcBef>
+                <a:spcPts val="50"/>
+              </a:spcBef>
+              <a:buNone/>
+            </a:pPr>
+            <a:endParaRPr lang="nl-NL" sz="2000" b="1" dirty="0"/>
+          </a:p>
+          <a:p>
+            <a:pPr marL="0" indent="0">
+              <a:spcBef>
+                <a:spcPts val="50"/>
+              </a:spcBef>
+              <a:buNone/>
+            </a:pPr>
+            <a:r>
+              <a:rPr lang="nl-NL" sz="2000" b="1" dirty="0">
+                <a:solidFill>
+                  <a:srgbClr val="FF0000"/>
+                </a:solidFill>
+              </a:rPr>
+              <a:t>@Component</a:t>
+            </a:r>
+            <a:r>
+              <a:rPr lang="nl-NL" sz="2000" b="1" dirty="0"/>
+              <a:t>({</a:t>
+            </a:r>
+          </a:p>
+          <a:p>
+            <a:pPr marL="0" indent="0">
+              <a:spcBef>
+                <a:spcPts val="50"/>
+              </a:spcBef>
+              <a:buNone/>
+            </a:pPr>
+            <a:r>
+              <a:rPr lang="nl-NL" sz="2000" b="1" dirty="0" smtClean="0"/>
+              <a:t>	</a:t>
+            </a:r>
+            <a:r>
+              <a:rPr lang="nl-NL" sz="2000" b="1" dirty="0" err="1" smtClean="0">
+                <a:solidFill>
+                  <a:srgbClr val="C00000"/>
+                </a:solidFill>
+              </a:rPr>
+              <a:t>selector</a:t>
+            </a:r>
+            <a:r>
+              <a:rPr lang="nl-NL" sz="2000" b="1" dirty="0"/>
+              <a:t>: 'app-</a:t>
+            </a:r>
+            <a:r>
+              <a:rPr lang="nl-NL" sz="2000" b="1" dirty="0" err="1"/>
+              <a:t>books</a:t>
+            </a:r>
+            <a:r>
+              <a:rPr lang="nl-NL" sz="2000" b="1" dirty="0"/>
+              <a:t>',</a:t>
+            </a:r>
+          </a:p>
+          <a:p>
+            <a:pPr marL="0" indent="0">
+              <a:spcBef>
+                <a:spcPts val="50"/>
+              </a:spcBef>
+              <a:buNone/>
+            </a:pPr>
+            <a:r>
+              <a:rPr lang="nl-NL" sz="2000" b="1" dirty="0" smtClean="0"/>
+              <a:t>	</a:t>
+            </a:r>
+            <a:r>
+              <a:rPr lang="nl-NL" sz="2000" b="1" dirty="0" err="1" smtClean="0">
+                <a:solidFill>
+                  <a:srgbClr val="C00000"/>
+                </a:solidFill>
+              </a:rPr>
+              <a:t>templateUrl</a:t>
+            </a:r>
+            <a:r>
+              <a:rPr lang="nl-NL" sz="2000" b="1" dirty="0"/>
+              <a:t>: './</a:t>
+            </a:r>
+            <a:r>
+              <a:rPr lang="nl-NL" sz="2000" b="1" dirty="0" err="1"/>
+              <a:t>books.component.html</a:t>
+            </a:r>
+            <a:r>
+              <a:rPr lang="nl-NL" sz="2000" b="1" dirty="0"/>
+              <a:t>',</a:t>
+            </a:r>
+          </a:p>
+          <a:p>
+            <a:pPr marL="0" indent="0">
+              <a:spcBef>
+                <a:spcPts val="50"/>
+              </a:spcBef>
+              <a:buNone/>
+            </a:pPr>
+            <a:r>
+              <a:rPr lang="nl-NL" sz="2000" b="1" dirty="0" smtClean="0"/>
+              <a:t>	</a:t>
+            </a:r>
+            <a:r>
+              <a:rPr lang="nl-NL" sz="2000" b="1" dirty="0" err="1" smtClean="0">
+                <a:solidFill>
+                  <a:srgbClr val="C00000"/>
+                </a:solidFill>
+              </a:rPr>
+              <a:t>styleUrls</a:t>
+            </a:r>
+            <a:r>
+              <a:rPr lang="nl-NL" sz="2000" b="1" dirty="0"/>
+              <a:t>: ['./</a:t>
+            </a:r>
+            <a:r>
+              <a:rPr lang="nl-NL" sz="2000" b="1" dirty="0" err="1"/>
+              <a:t>books.component.css</a:t>
+            </a:r>
+            <a:r>
+              <a:rPr lang="nl-NL" sz="2000" b="1" dirty="0"/>
+              <a:t>']</a:t>
+            </a:r>
+          </a:p>
+          <a:p>
+            <a:pPr marL="0" indent="0">
+              <a:spcBef>
+                <a:spcPts val="50"/>
+              </a:spcBef>
+              <a:buNone/>
+            </a:pPr>
+            <a:r>
+              <a:rPr lang="nl-NL" sz="2000" b="1" dirty="0" smtClean="0"/>
+              <a:t>})</a:t>
+            </a:r>
+          </a:p>
+          <a:p>
+            <a:pPr marL="0" indent="0">
+              <a:spcBef>
+                <a:spcPts val="50"/>
+              </a:spcBef>
+              <a:buNone/>
+            </a:pPr>
+            <a:endParaRPr lang="nl-NL" sz="2000" b="1" dirty="0"/>
+          </a:p>
+          <a:p>
+            <a:pPr marL="0" indent="0">
+              <a:spcBef>
+                <a:spcPts val="50"/>
+              </a:spcBef>
+              <a:buNone/>
+            </a:pPr>
+            <a:r>
+              <a:rPr lang="nl-NL" sz="2000" b="1" dirty="0">
+                <a:solidFill>
+                  <a:schemeClr val="accent4">
+                    <a:lumMod val="75000"/>
+                  </a:schemeClr>
+                </a:solidFill>
+              </a:rPr>
+              <a:t>export</a:t>
+            </a:r>
+            <a:r>
+              <a:rPr lang="nl-NL" sz="2000" b="1" dirty="0"/>
+              <a:t> class </a:t>
+            </a:r>
+            <a:r>
+              <a:rPr lang="nl-NL" sz="2000" b="1" dirty="0" err="1">
+                <a:solidFill>
+                  <a:srgbClr val="FF0000"/>
+                </a:solidFill>
+              </a:rPr>
+              <a:t>BooksComponent</a:t>
+            </a:r>
+            <a:r>
+              <a:rPr lang="nl-NL" sz="2000" b="1" dirty="0">
+                <a:solidFill>
+                  <a:srgbClr val="FF0000"/>
+                </a:solidFill>
+              </a:rPr>
+              <a:t> </a:t>
+            </a:r>
+            <a:r>
+              <a:rPr lang="nl-NL" sz="2000" b="1" dirty="0" err="1"/>
+              <a:t>implements</a:t>
+            </a:r>
+            <a:r>
+              <a:rPr lang="nl-NL" sz="2000" b="1" dirty="0"/>
+              <a:t> </a:t>
+            </a:r>
+            <a:r>
+              <a:rPr lang="nl-NL" sz="2000" b="1" dirty="0" err="1">
+                <a:solidFill>
+                  <a:srgbClr val="C00000"/>
+                </a:solidFill>
+              </a:rPr>
+              <a:t>OnInit</a:t>
+            </a:r>
+            <a:r>
+              <a:rPr lang="nl-NL" sz="2000" b="1" dirty="0">
+                <a:solidFill>
+                  <a:srgbClr val="C00000"/>
+                </a:solidFill>
+              </a:rPr>
+              <a:t> </a:t>
+            </a:r>
+            <a:r>
+              <a:rPr lang="nl-NL" sz="2000" b="1" dirty="0"/>
+              <a:t>{</a:t>
+            </a:r>
+          </a:p>
+          <a:p>
+            <a:pPr marL="0" indent="0">
+              <a:spcBef>
+                <a:spcPts val="50"/>
+              </a:spcBef>
+              <a:buNone/>
+            </a:pPr>
+            <a:r>
+              <a:rPr lang="mr-IN" sz="2000" b="1" dirty="0" smtClean="0"/>
+              <a:t>…</a:t>
+            </a:r>
+            <a:endParaRPr lang="nl-NL" sz="2000" b="1" dirty="0"/>
+          </a:p>
+        </p:txBody>
+      </p:sp>
+    </p:spTree>
+    <p:extLst>
+      <p:ext uri="{BB962C8B-B14F-4D97-AF65-F5344CB8AC3E}">
+        <p14:creationId xmlns:p14="http://schemas.microsoft.com/office/powerpoint/2010/main" val="1779047522"/>
+      </p:ext>
+    </p:extLst>
+  </p:cSld>
+  <p:clrMapOvr>
+    <a:masterClrMapping/>
+  </p:clrMapOvr>
+  <p:timing>
+    <p:tnLst>
+      <p:par>
+        <p:cTn id="1" dur="indefinite" restart="never" nodeType="tmRoot"/>
+      </p:par>
+    </p:tnLst>
+  </p:timing>
+</p:sld>
+</file>
+
+<file path=ppt/slides/slide28.xml><?xml version="1.0" encoding="utf-8"?>
+<p:sld xmlns:a="http://schemas.openxmlformats.org/drawingml/2006/main" xmlns:r="http://schemas.openxmlformats.org/officeDocument/2006/relationships" xmlns:p="http://schemas.openxmlformats.org/presentationml/2006/main">
+  <p:cSld>
+    <p:spTree>
+      <p:nvGrpSpPr>
+        <p:cNvPr id="1" name=""/>
+        <p:cNvGrpSpPr/>
+        <p:nvPr/>
+      </p:nvGrpSpPr>
+      <p:grpSpPr>
+        <a:xfrm>
+          <a:off x="0" y="0"/>
+          <a:ext cx="0" cy="0"/>
+          <a:chOff x="0" y="0"/>
+          <a:chExt cx="0" cy="0"/>
+        </a:xfrm>
+      </p:grpSpPr>
+      <p:sp>
+        <p:nvSpPr>
+          <p:cNvPr id="2" name="Title 1"/>
+          <p:cNvSpPr>
+            <a:spLocks noGrp="1"/>
+          </p:cNvSpPr>
+          <p:nvPr>
+            <p:ph type="title"/>
+          </p:nvPr>
+        </p:nvSpPr>
+        <p:spPr/>
+        <p:txBody>
+          <a:bodyPr/>
+          <a:lstStyle/>
+          <a:p>
+            <a:pPr algn="ctr"/>
+            <a:r>
+              <a:rPr lang="nl-NL" b="1" dirty="0" err="1" smtClean="0">
+                <a:solidFill>
+                  <a:srgbClr val="FFC000"/>
+                </a:solidFill>
+              </a:rPr>
               <a:t>Inject</a:t>
             </a:r>
             <a:r>
@@ -18042,8 +18267,13 @@
             </a:r>
             <a:r>
               <a:rPr lang="en-US" sz="2400" b="1" dirty="0"/>
-              <a:t>) { }</a:t>
-            </a:r>
+              <a:t>) { </a:t>
+            </a:r>
+            <a:r>
+              <a:rPr lang="en-US" sz="2400" b="1" dirty="0" smtClean="0"/>
+              <a:t> }</a:t>
+            </a:r>
+            <a:endParaRPr lang="en-US" sz="2400" b="1" dirty="0"/>
           </a:p>
           <a:p>
             <a:pPr marL="0" indent="0">
@@ -18249,7 +18479,7 @@
 </p:sld>
 </file>
 
-<file path=ppt/slides/slide28.xml><?xml version="1.0" encoding="utf-8"?>
+<file path=ppt/slides/slide29.xml><?xml version="1.0" encoding="utf-8"?>
 <p:sld xmlns:a="http://schemas.openxmlformats.org/drawingml/2006/main" xmlns:r="http://schemas.openxmlformats.org/officeDocument/2006/relationships" xmlns:p="http://schemas.openxmlformats.org/presentationml/2006/main">
   <p:cSld>
     <p:spTree>
@@ -18648,609 +18878,6 @@
 </p:sld>
 </file>
 
-<file path=ppt/slides/slide29.xml><?xml version="1.0" encoding="utf-8"?>
-<p:sld xmlns:a="http://schemas.openxmlformats.org/drawingml/2006/main" xmlns:r="http://schemas.openxmlformats.org/officeDocument/2006/relationships" xmlns:p="http://schemas.openxmlformats.org/presentationml/2006/main">
-  <p:cSld>
-    <p:spTree>
-      <p:nvGrpSpPr>
-        <p:cNvPr id="1" name=""/>
-        <p:cNvGrpSpPr/>
-        <p:nvPr/>
-      </p:nvGrpSpPr>
-      <p:grpSpPr>
-        <a:xfrm>
-          <a:off x="0" y="0"/>
-          <a:ext cx="0" cy="0"/>
-          <a:chOff x="0" y="0"/>
-          <a:chExt cx="0" cy="0"/>
-        </a:xfrm>
-      </p:grpSpPr>
-      <p:sp>
-        <p:nvSpPr>
-          <p:cNvPr id="2" name="Titel 1"/>
-          <p:cNvSpPr>
-            <a:spLocks noGrp="1"/>
-          </p:cNvSpPr>
-          <p:nvPr>
-            <p:ph type="title"/>
-          </p:nvPr>
-        </p:nvSpPr>
-        <p:spPr/>
-        <p:txBody>
-          <a:bodyPr/>
-          <a:lstStyle/>
-          <a:p>
-            <a:pPr algn="ctr"/>
-            <a:r>
-              <a:rPr lang="nl-NL" b="1" dirty="0" err="1" smtClean="0">
-                <a:solidFill>
-                  <a:srgbClr val="FFC000"/>
-                </a:solidFill>
-              </a:rPr>
-              <a:t>Getting</a:t>
-            </a:r>
-            <a:r>
-              <a:rPr lang="nl-NL" b="1" dirty="0" smtClean="0">
-                <a:solidFill>
-                  <a:srgbClr val="FFC000"/>
-                </a:solidFill>
-              </a:rPr>
-              <a:t> </a:t>
-            </a:r>
-            <a:r>
-              <a:rPr lang="nl-NL" b="1" dirty="0" err="1" smtClean="0">
-                <a:solidFill>
-                  <a:srgbClr val="FFC000"/>
-                </a:solidFill>
-              </a:rPr>
-              <a:t>started</a:t>
-            </a:r>
-            <a:endParaRPr lang="nl-NL" b="1" dirty="0">
-              <a:solidFill>
-                <a:srgbClr val="FFC000"/>
-              </a:solidFill>
-            </a:endParaRPr>
-          </a:p>
-        </p:txBody>
-      </p:sp>
-      <p:sp>
-        <p:nvSpPr>
-          <p:cNvPr id="4" name="Rectangle 1"/>
-          <p:cNvSpPr>
-            <a:spLocks noGrp="1" noChangeArrowheads="1"/>
-          </p:cNvSpPr>
-          <p:nvPr>
-            <p:ph idx="1"/>
-          </p:nvPr>
-        </p:nvSpPr>
-        <p:spPr bwMode="auto">
-          <a:xfrm>
-            <a:off x="593124" y="1118833"/>
-            <a:ext cx="11232291" cy="5287601"/>
-          </a:xfrm>
-          <a:prstGeom prst="rect">
-            <a:avLst/>
-          </a:prstGeom>
-          <a:noFill/>
-          <a:ln>
-            <a:noFill/>
-          </a:ln>
-          <a:effectLst/>
-          <a:extLst>
-            <a:ext uri="{909E8E84-426E-40DD-AFC4-6F175D3DCCD1}">
-              <a14:hiddenFill xmlns:a14="http://schemas.microsoft.com/office/drawing/2010/main">
-                <a:solidFill>
-                  <a:schemeClr val="accent1"/>
-                </a:solidFill>
-              </a14:hiddenFill>
-            </a:ext>
-            <a:ext uri="{91240B29-F687-4F45-9708-019B960494DF}">
-              <a14:hiddenLine xmlns:a14="http://schemas.microsoft.com/office/drawing/2010/main" w="9525">
-                <a:solidFill>
-                  <a:schemeClr val="tx1"/>
-                </a:solidFill>
-                <a:miter lim="800000"/>
-                <a:headEnd/>
-                <a:tailEnd/>
-              </a14:hiddenLine>
-            </a:ext>
-            <a:ext uri="{AF507438-7753-43E0-B8FC-AC1667EBCBE1}">
-              <a14:hiddenEffects xmlns:a14="http://schemas.microsoft.com/office/drawing/2010/main">
-                <a:effectLst>
-                  <a:outerShdw dist="35921" dir="2700000" algn="ctr" rotWithShape="0">
-                    <a:schemeClr val="bg2"/>
-                  </a:outerShdw>
-                </a:effectLst>
-              </a14:hiddenEffects>
-            </a:ext>
-          </a:extLst>
-        </p:spPr>
-        <p:txBody>
-          <a:bodyPr vert="horz" wrap="square" lIns="0" tIns="0" rIns="0" bIns="0" numCol="1" anchor="ctr" anchorCtr="0" compatLnSpc="1">
-            <a:prstTxWarp prst="textNoShape">
-              <a:avLst/>
-            </a:prstTxWarp>
-            <a:spAutoFit/>
-          </a:bodyPr>
-          <a:lstStyle>
-            <a:lvl1pPr eaLnBrk="0" fontAlgn="base" hangingPunct="0">
-              <a:spcBef>
-                <a:spcPct val="0"/>
-              </a:spcBef>
-              <a:spcAft>
-                <a:spcPct val="0"/>
-              </a:spcAft>
-              <a:defRPr>
-                <a:solidFill>
-                  <a:schemeClr val="tx1"/>
-                </a:solidFill>
-                <a:latin typeface="Arial" panose="020B0604020202020204" pitchFamily="34" charset="0"/>
-              </a:defRPr>
-            </a:lvl1pPr>
-            <a:lvl2pPr eaLnBrk="0" fontAlgn="base" hangingPunct="0">
-              <a:spcBef>
-                <a:spcPct val="0"/>
-              </a:spcBef>
-              <a:spcAft>
-                <a:spcPct val="0"/>
-              </a:spcAft>
-              <a:defRPr>
-                <a:solidFill>
-                  <a:schemeClr val="tx1"/>
-                </a:solidFill>
-                <a:latin typeface="Arial" panose="020B0604020202020204" pitchFamily="34" charset="0"/>
-              </a:defRPr>
-            </a:lvl2pPr>
-            <a:lvl3pPr eaLnBrk="0" fontAlgn="base" hangingPunct="0">
-              <a:spcBef>
-                <a:spcPct val="0"/>
-              </a:spcBef>
-              <a:spcAft>
-                <a:spcPct val="0"/>
-              </a:spcAft>
-              <a:defRPr>
-                <a:solidFill>
-                  <a:schemeClr val="tx1"/>
-                </a:solidFill>
-                <a:latin typeface="Arial" panose="020B0604020202020204" pitchFamily="34" charset="0"/>
-              </a:defRPr>
-            </a:lvl3pPr>
-            <a:lvl4pPr eaLnBrk="0" fontAlgn="base" hangingPunct="0">
-              <a:spcBef>
-                <a:spcPct val="0"/>
-              </a:spcBef>
-              <a:spcAft>
-                <a:spcPct val="0"/>
-              </a:spcAft>
-              <a:defRPr>
-                <a:solidFill>
-                  <a:schemeClr val="tx1"/>
-                </a:solidFill>
-                <a:latin typeface="Arial" panose="020B0604020202020204" pitchFamily="34" charset="0"/>
-              </a:defRPr>
-            </a:lvl4pPr>
-            <a:lvl5pPr eaLnBrk="0" fontAlgn="base" hangingPunct="0">
-              <a:spcBef>
-                <a:spcPct val="0"/>
-              </a:spcBef>
-              <a:spcAft>
-                <a:spcPct val="0"/>
-              </a:spcAft>
-              <a:defRPr>
-                <a:solidFill>
-                  <a:schemeClr val="tx1"/>
-                </a:solidFill>
-                <a:latin typeface="Arial" panose="020B0604020202020204" pitchFamily="34" charset="0"/>
-              </a:defRPr>
-            </a:lvl5pPr>
-            <a:lvl6pPr eaLnBrk="0" fontAlgn="base" hangingPunct="0">
-              <a:spcBef>
-                <a:spcPct val="0"/>
-              </a:spcBef>
-              <a:spcAft>
-                <a:spcPct val="0"/>
-              </a:spcAft>
-              <a:defRPr>
-                <a:solidFill>
-                  <a:schemeClr val="tx1"/>
-                </a:solidFill>
-                <a:latin typeface="Arial" panose="020B0604020202020204" pitchFamily="34" charset="0"/>
-              </a:defRPr>
-            </a:lvl6pPr>
-            <a:lvl7pPr eaLnBrk="0" fontAlgn="base" hangingPunct="0">
-              <a:spcBef>
-                <a:spcPct val="0"/>
-              </a:spcBef>
-              <a:spcAft>
-                <a:spcPct val="0"/>
-              </a:spcAft>
-              <a:defRPr>
-                <a:solidFill>
-                  <a:schemeClr val="tx1"/>
-                </a:solidFill>
-                <a:latin typeface="Arial" panose="020B0604020202020204" pitchFamily="34" charset="0"/>
-              </a:defRPr>
-            </a:lvl7pPr>
-            <a:lvl8pPr eaLnBrk="0" fontAlgn="base" hangingPunct="0">
-              <a:spcBef>
-                <a:spcPct val="0"/>
-              </a:spcBef>
-              <a:spcAft>
-                <a:spcPct val="0"/>
-              </a:spcAft>
-              <a:defRPr>
-                <a:solidFill>
-                  <a:schemeClr val="tx1"/>
-                </a:solidFill>
-                <a:latin typeface="Arial" panose="020B0604020202020204" pitchFamily="34" charset="0"/>
-              </a:defRPr>
-            </a:lvl8pPr>
-            <a:lvl9pPr eaLnBrk="0" fontAlgn="base" hangingPunct="0">
-              <a:spcBef>
-                <a:spcPct val="0"/>
-              </a:spcBef>
-              <a:spcAft>
-                <a:spcPct val="0"/>
-              </a:spcAft>
-              <a:defRPr>
-                <a:solidFill>
-                  <a:schemeClr val="tx1"/>
-                </a:solidFill>
-                <a:latin typeface="Arial" panose="020B0604020202020204" pitchFamily="34" charset="0"/>
-              </a:defRPr>
-            </a:lvl9pPr>
-          </a:lstStyle>
-          <a:p>
-            <a:pPr marL="0" lvl="0" indent="0">
-              <a:lnSpc>
-                <a:spcPct val="100000"/>
-              </a:lnSpc>
-              <a:buNone/>
-            </a:pPr>
-            <a:r>
-              <a:rPr lang="en-US" altLang="nl-NL" sz="2400" dirty="0" smtClean="0">
-                <a:latin typeface="+mn-lt"/>
-              </a:rPr>
-              <a:t>Download:  </a:t>
-            </a:r>
-            <a:r>
-              <a:rPr lang="en-US" altLang="nl-NL" b="1" dirty="0" smtClean="0">
-                <a:solidFill>
-                  <a:srgbClr val="FF0000"/>
-                </a:solidFill>
-                <a:latin typeface="+mn-lt"/>
-              </a:rPr>
-              <a:t>https</a:t>
-            </a:r>
-            <a:r>
-              <a:rPr lang="en-US" altLang="nl-NL" b="1" dirty="0">
-                <a:solidFill>
-                  <a:srgbClr val="FF0000"/>
-                </a:solidFill>
-                <a:latin typeface="+mn-lt"/>
-              </a:rPr>
-              <a:t>://</a:t>
-            </a:r>
-            <a:r>
-              <a:rPr lang="en-US" altLang="nl-NL" b="1" dirty="0" err="1">
-                <a:solidFill>
-                  <a:srgbClr val="FF0000"/>
-                </a:solidFill>
-                <a:latin typeface="+mn-lt"/>
-              </a:rPr>
-              <a:t>github.com</a:t>
-            </a:r>
-            <a:r>
-              <a:rPr lang="en-US" altLang="nl-NL" b="1" dirty="0">
-                <a:solidFill>
-                  <a:srgbClr val="FF0000"/>
-                </a:solidFill>
-                <a:latin typeface="+mn-lt"/>
-              </a:rPr>
-              <a:t>/petereijgermans11/workshop-</a:t>
-            </a:r>
-            <a:r>
-              <a:rPr lang="en-US" altLang="nl-NL" b="1" dirty="0" err="1">
-                <a:solidFill>
-                  <a:srgbClr val="FF0000"/>
-                </a:solidFill>
-                <a:latin typeface="+mn-lt"/>
-              </a:rPr>
-              <a:t>reactjs</a:t>
-            </a:r>
-            <a:r>
-              <a:rPr lang="en-US" altLang="nl-NL" b="1" dirty="0">
-                <a:solidFill>
-                  <a:srgbClr val="FF0000"/>
-                </a:solidFill>
-                <a:latin typeface="+mn-lt"/>
-              </a:rPr>
-              <a:t>-angular</a:t>
-            </a:r>
-            <a:endParaRPr lang="en-US" altLang="nl-NL" b="1" dirty="0" smtClean="0">
-              <a:solidFill>
-                <a:srgbClr val="FF0000"/>
-              </a:solidFill>
-              <a:latin typeface="+mn-lt"/>
-            </a:endParaRPr>
-          </a:p>
-          <a:p>
-            <a:pPr marL="0" lvl="0" indent="0">
-              <a:lnSpc>
-                <a:spcPct val="100000"/>
-              </a:lnSpc>
-              <a:buNone/>
-            </a:pPr>
-            <a:endParaRPr lang="en-US" altLang="nl-NL" sz="2400" b="1" dirty="0" smtClean="0">
-              <a:latin typeface="+mn-lt"/>
-            </a:endParaRPr>
-          </a:p>
-          <a:p>
-            <a:pPr marL="0" lvl="0" indent="0">
-              <a:lnSpc>
-                <a:spcPct val="100000"/>
-              </a:lnSpc>
-              <a:buNone/>
-            </a:pPr>
-            <a:r>
-              <a:rPr lang="en-US" altLang="nl-NL" sz="2400" dirty="0" smtClean="0">
-                <a:latin typeface="+mn-lt"/>
-              </a:rPr>
-              <a:t>    </a:t>
-            </a:r>
-            <a:endParaRPr lang="en-US" altLang="nl-NL" sz="2400" dirty="0">
-              <a:latin typeface="+mn-lt"/>
-            </a:endParaRPr>
-          </a:p>
-          <a:p>
-            <a:pPr marL="0" lvl="0" indent="0">
-              <a:lnSpc>
-                <a:spcPct val="100000"/>
-              </a:lnSpc>
-              <a:buNone/>
-            </a:pPr>
-            <a:r>
-              <a:rPr lang="en-US" altLang="nl-NL" sz="2400" dirty="0">
-                <a:latin typeface="+mn-lt"/>
-              </a:rPr>
-              <a:t>Bootstrap your application: </a:t>
-            </a:r>
-            <a:r>
-              <a:rPr lang="en-US" altLang="nl-NL" sz="2400" dirty="0" smtClean="0">
-                <a:latin typeface="+mn-lt"/>
-              </a:rPr>
-              <a:t> </a:t>
-            </a:r>
-            <a:r>
-              <a:rPr lang="en-US" sz="2400" b="1" dirty="0"/>
-              <a:t>cd ./angular </a:t>
-            </a:r>
-            <a:endParaRPr lang="en-US" sz="2400" b="1" dirty="0" smtClean="0"/>
-          </a:p>
-          <a:p>
-            <a:pPr marL="0" indent="0">
-              <a:buNone/>
-            </a:pPr>
-            <a:r>
-              <a:rPr lang="en-US" sz="2400" dirty="0"/>
-              <a:t> </a:t>
-            </a:r>
-            <a:r>
-              <a:rPr lang="en-US" sz="2400" dirty="0" smtClean="0"/>
-              <a:t>                                         </a:t>
-            </a:r>
-            <a:r>
-              <a:rPr lang="en-US" sz="2400" b="1" dirty="0" err="1"/>
-              <a:t>npm</a:t>
-            </a:r>
-            <a:r>
-              <a:rPr lang="en-US" sz="2400" b="1" dirty="0"/>
-              <a:t> install -g @</a:t>
-            </a:r>
-            <a:r>
-              <a:rPr lang="en-US" sz="2400" b="1" dirty="0" smtClean="0"/>
-              <a:t>angular/cli</a:t>
-            </a:r>
-            <a:endParaRPr lang="en-US" sz="2400" b="1" dirty="0"/>
-          </a:p>
-          <a:p>
-            <a:pPr marL="0" indent="0">
-              <a:buNone/>
-            </a:pPr>
-            <a:r>
-              <a:rPr lang="en-US" sz="2400" b="1" dirty="0" smtClean="0"/>
-              <a:t>                                          </a:t>
-            </a:r>
-            <a:r>
-              <a:rPr lang="en-US" sz="2400" b="1" dirty="0" err="1" smtClean="0"/>
-              <a:t>npm</a:t>
-            </a:r>
-            <a:r>
-              <a:rPr lang="en-US" sz="2400" b="1" dirty="0" smtClean="0"/>
-              <a:t> </a:t>
-            </a:r>
-            <a:r>
-              <a:rPr lang="en-US" sz="2400" b="1" dirty="0"/>
-              <a:t>install</a:t>
-            </a:r>
-          </a:p>
-          <a:p>
-            <a:pPr marL="0" indent="0">
-              <a:buNone/>
-            </a:pPr>
-            <a:r>
-              <a:rPr lang="en-US" sz="2400" b="1" dirty="0" smtClean="0"/>
-              <a:t>                                          ng </a:t>
-            </a:r>
-            <a:r>
-              <a:rPr lang="en-US" sz="2400" b="1" dirty="0"/>
-              <a:t>serve --open</a:t>
-            </a:r>
-          </a:p>
-          <a:p>
-            <a:pPr marL="0" lvl="0" indent="0">
-              <a:lnSpc>
-                <a:spcPct val="100000"/>
-              </a:lnSpc>
-              <a:buNone/>
-            </a:pPr>
-            <a:endParaRPr lang="en-US" altLang="nl-NL" sz="2400" dirty="0" smtClean="0">
-              <a:latin typeface="+mn-lt"/>
-            </a:endParaRPr>
-          </a:p>
-          <a:p>
-            <a:pPr marL="0" lvl="0" indent="0">
-              <a:lnSpc>
-                <a:spcPct val="100000"/>
-              </a:lnSpc>
-              <a:buNone/>
-            </a:pPr>
-            <a:endParaRPr lang="en-US" altLang="nl-NL" sz="2400" dirty="0">
-              <a:latin typeface="+mn-lt"/>
-            </a:endParaRPr>
-          </a:p>
-          <a:p>
-            <a:pPr marL="0" lvl="0" indent="0">
-              <a:lnSpc>
-                <a:spcPct val="100000"/>
-              </a:lnSpc>
-              <a:buNone/>
-            </a:pPr>
-            <a:r>
-              <a:rPr lang="en-US" altLang="nl-NL" sz="2400" dirty="0">
-                <a:latin typeface="+mn-lt"/>
-              </a:rPr>
-              <a:t>!oops</a:t>
-            </a:r>
-          </a:p>
-          <a:p>
-            <a:pPr marL="0" lvl="0" indent="0">
-              <a:lnSpc>
-                <a:spcPct val="100000"/>
-              </a:lnSpc>
-              <a:buNone/>
-            </a:pPr>
-            <a:endParaRPr lang="en-US" altLang="nl-NL" sz="2400" dirty="0">
-              <a:latin typeface="+mn-lt"/>
-            </a:endParaRPr>
-          </a:p>
-          <a:p>
-            <a:pPr marL="0" lvl="0" indent="0">
-              <a:lnSpc>
-                <a:spcPct val="100000"/>
-              </a:lnSpc>
-              <a:buNone/>
-            </a:pPr>
-            <a:r>
-              <a:rPr lang="en-US" altLang="nl-NL" sz="2400" dirty="0">
-                <a:latin typeface="+mn-lt"/>
-              </a:rPr>
-              <a:t>This application doesn't work </a:t>
-            </a:r>
-            <a:r>
-              <a:rPr lang="en-US" altLang="nl-NL" sz="2400" dirty="0" smtClean="0">
-                <a:latin typeface="+mn-lt"/>
-              </a:rPr>
-              <a:t>:(</a:t>
-            </a:r>
-          </a:p>
-          <a:p>
-            <a:pPr marL="0" lvl="0" indent="0">
-              <a:lnSpc>
-                <a:spcPct val="100000"/>
-              </a:lnSpc>
-              <a:buNone/>
-            </a:pPr>
-            <a:endParaRPr kumimoji="0" lang="en-US" altLang="nl-NL" sz="2400" b="0" i="0" u="none" strike="noStrike" cap="none" normalizeH="0" baseline="0" dirty="0">
-              <a:ln>
-                <a:noFill/>
-              </a:ln>
-              <a:solidFill>
-                <a:schemeClr val="tx1"/>
-              </a:solidFill>
-              <a:effectLst/>
-              <a:latin typeface="+mn-lt"/>
-            </a:endParaRPr>
-          </a:p>
-          <a:p>
-            <a:pPr marL="0" lvl="0" indent="0">
-              <a:lnSpc>
-                <a:spcPct val="100000"/>
-              </a:lnSpc>
-              <a:buNone/>
-            </a:pPr>
-            <a:r>
-              <a:rPr lang="en-US" altLang="nl-NL" sz="2400" b="1" dirty="0">
-                <a:latin typeface="+mn-lt"/>
-              </a:rPr>
-              <a:t>See </a:t>
-            </a:r>
-            <a:r>
-              <a:rPr lang="en-US" altLang="nl-NL" sz="2400" b="1" dirty="0" smtClean="0">
-                <a:latin typeface="+mn-lt"/>
-              </a:rPr>
-              <a:t>tutorial to fix the problems:  </a:t>
-            </a:r>
-            <a:r>
-              <a:rPr lang="en-US" altLang="nl-NL" sz="2400" b="1" dirty="0">
-                <a:solidFill>
-                  <a:srgbClr val="FF0000"/>
-                </a:solidFill>
-                <a:latin typeface="+mn-lt"/>
-              </a:rPr>
-              <a:t>https://</a:t>
-            </a:r>
-            <a:r>
-              <a:rPr lang="en-US" altLang="nl-NL" sz="2400" b="1" dirty="0" err="1">
-                <a:solidFill>
-                  <a:srgbClr val="FF0000"/>
-                </a:solidFill>
-                <a:latin typeface="+mn-lt"/>
-              </a:rPr>
-              <a:t>angular.io</a:t>
-            </a:r>
-            <a:r>
-              <a:rPr lang="en-US" altLang="nl-NL" sz="2400" b="1" dirty="0">
-                <a:solidFill>
-                  <a:srgbClr val="FF0000"/>
-                </a:solidFill>
-                <a:latin typeface="+mn-lt"/>
-              </a:rPr>
-              <a:t>/tutorial/toh-pt6</a:t>
-            </a:r>
-            <a:endParaRPr kumimoji="0" lang="nl-NL" altLang="nl-NL" sz="2400" b="1" i="0" u="none" strike="noStrike" cap="none" normalizeH="0" baseline="0" dirty="0" smtClean="0">
-              <a:ln>
-                <a:noFill/>
-              </a:ln>
-              <a:solidFill>
-                <a:srgbClr val="FF0000"/>
-              </a:solidFill>
-              <a:effectLst/>
-              <a:latin typeface="+mn-lt"/>
-            </a:endParaRPr>
-          </a:p>
-        </p:txBody>
-      </p:sp>
-    </p:spTree>
-    <p:extLst>
-      <p:ext uri="{BB962C8B-B14F-4D97-AF65-F5344CB8AC3E}">
-        <p14:creationId xmlns:p14="http://schemas.microsoft.com/office/powerpoint/2010/main" val="656802931"/>
-      </p:ext>
-    </p:extLst>
-  </p:cSld>
-  <p:clrMapOvr>
-    <a:masterClrMapping/>
-  </p:clrMapOvr>
-  <p:timing>
-    <p:tnLst>
-      <p:par>
-        <p:cTn id="1" dur="indefinite" restart="never" nodeType="tmRoot"/>
-      </p:par>
-    </p:tnLst>
-  </p:timing>
-</p:sld>
-</file>
-
 <file path=ppt/slides/slide3.xml><?xml version="1.0" encoding="utf-8"?>
 <p:sld xmlns:a="http://schemas.openxmlformats.org/drawingml/2006/main" xmlns:r="http://schemas.openxmlformats.org/officeDocument/2006/relationships" xmlns:p="http://schemas.openxmlformats.org/presentationml/2006/main">
   <p:cSld>
@@ -19353,6 +18980,609 @@
     <p:extLst>
       <p:ext uri="{BB962C8B-B14F-4D97-AF65-F5344CB8AC3E}">
         <p14:creationId xmlns:p14="http://schemas.microsoft.com/office/powerpoint/2010/main" val="3722296180"/>
+      </p:ext>
+    </p:extLst>
+  </p:cSld>
+  <p:clrMapOvr>
+    <a:masterClrMapping/>
+  </p:clrMapOvr>
+  <p:timing>
+    <p:tnLst>
+      <p:par>
+        <p:cTn id="1" dur="indefinite" restart="never" nodeType="tmRoot"/>
+      </p:par>
+    </p:tnLst>
+  </p:timing>
+</p:sld>
+</file>
+
+<file path=ppt/slides/slide30.xml><?xml version="1.0" encoding="utf-8"?>
+<p:sld xmlns:a="http://schemas.openxmlformats.org/drawingml/2006/main" xmlns:r="http://schemas.openxmlformats.org/officeDocument/2006/relationships" xmlns:p="http://schemas.openxmlformats.org/presentationml/2006/main">
+  <p:cSld>
+    <p:spTree>
+      <p:nvGrpSpPr>
+        <p:cNvPr id="1" name=""/>
+        <p:cNvGrpSpPr/>
+        <p:nvPr/>
+      </p:nvGrpSpPr>
+      <p:grpSpPr>
+        <a:xfrm>
+          <a:off x="0" y="0"/>
+          <a:ext cx="0" cy="0"/>
+          <a:chOff x="0" y="0"/>
+          <a:chExt cx="0" cy="0"/>
+        </a:xfrm>
+      </p:grpSpPr>
+      <p:sp>
+        <p:nvSpPr>
+          <p:cNvPr id="2" name="Titel 1"/>
+          <p:cNvSpPr>
+            <a:spLocks noGrp="1"/>
+          </p:cNvSpPr>
+          <p:nvPr>
+            <p:ph type="title"/>
+          </p:nvPr>
+        </p:nvSpPr>
+        <p:spPr/>
+        <p:txBody>
+          <a:bodyPr/>
+          <a:lstStyle/>
+          <a:p>
+            <a:pPr algn="ctr"/>
+            <a:r>
+              <a:rPr lang="nl-NL" b="1" dirty="0" err="1" smtClean="0">
+                <a:solidFill>
+                  <a:srgbClr val="FFC000"/>
+                </a:solidFill>
+              </a:rPr>
+              <a:t>Getting</a:t>
+            </a:r>
+            <a:r>
+              <a:rPr lang="nl-NL" b="1" dirty="0" smtClean="0">
+                <a:solidFill>
+                  <a:srgbClr val="FFC000"/>
+                </a:solidFill>
+              </a:rPr>
+              <a:t> </a:t>
+            </a:r>
+            <a:r>
+              <a:rPr lang="nl-NL" b="1" dirty="0" err="1" smtClean="0">
+                <a:solidFill>
+                  <a:srgbClr val="FFC000"/>
+                </a:solidFill>
+              </a:rPr>
+              <a:t>started</a:t>
+            </a:r>
+            <a:endParaRPr lang="nl-NL" b="1" dirty="0">
+              <a:solidFill>
+                <a:srgbClr val="FFC000"/>
+              </a:solidFill>
+            </a:endParaRPr>
+          </a:p>
+        </p:txBody>
+      </p:sp>
+      <p:sp>
+        <p:nvSpPr>
+          <p:cNvPr id="4" name="Rectangle 1"/>
+          <p:cNvSpPr>
+            <a:spLocks noGrp="1" noChangeArrowheads="1"/>
+          </p:cNvSpPr>
+          <p:nvPr>
+            <p:ph idx="1"/>
+          </p:nvPr>
+        </p:nvSpPr>
+        <p:spPr bwMode="auto">
+          <a:xfrm>
+            <a:off x="593124" y="1118833"/>
+            <a:ext cx="11232291" cy="5287601"/>
+          </a:xfrm>
+          <a:prstGeom prst="rect">
+            <a:avLst/>
+          </a:prstGeom>
+          <a:noFill/>
+          <a:ln>
+            <a:noFill/>
+          </a:ln>
+          <a:effectLst/>
+          <a:extLst>
+            <a:ext uri="{909E8E84-426E-40DD-AFC4-6F175D3DCCD1}">
+              <a14:hiddenFill xmlns:a14="http://schemas.microsoft.com/office/drawing/2010/main">
+                <a:solidFill>
+                  <a:schemeClr val="accent1"/>
+                </a:solidFill>
+              </a14:hiddenFill>
+            </a:ext>
+            <a:ext uri="{91240B29-F687-4F45-9708-019B960494DF}">
+              <a14:hiddenLine xmlns:a14="http://schemas.microsoft.com/office/drawing/2010/main" w="9525">
+                <a:solidFill>
+                  <a:schemeClr val="tx1"/>
+                </a:solidFill>
+                <a:miter lim="800000"/>
+                <a:headEnd/>
+                <a:tailEnd/>
+              </a14:hiddenLine>
+            </a:ext>
+            <a:ext uri="{AF507438-7753-43E0-B8FC-AC1667EBCBE1}">
+              <a14:hiddenEffects xmlns:a14="http://schemas.microsoft.com/office/drawing/2010/main">
+                <a:effectLst>
+                  <a:outerShdw dist="35921" dir="2700000" algn="ctr" rotWithShape="0">
+                    <a:schemeClr val="bg2"/>
+                  </a:outerShdw>
+                </a:effectLst>
+              </a14:hiddenEffects>
+            </a:ext>
+          </a:extLst>
+        </p:spPr>
+        <p:txBody>
+          <a:bodyPr vert="horz" wrap="square" lIns="0" tIns="0" rIns="0" bIns="0" numCol="1" anchor="ctr" anchorCtr="0" compatLnSpc="1">
+            <a:prstTxWarp prst="textNoShape">
+              <a:avLst/>
+            </a:prstTxWarp>
+            <a:spAutoFit/>
+          </a:bodyPr>
+          <a:lstStyle>
+            <a:lvl1pPr eaLnBrk="0" fontAlgn="base" hangingPunct="0">
+              <a:spcBef>
+                <a:spcPct val="0"/>
+              </a:spcBef>
+              <a:spcAft>
+                <a:spcPct val="0"/>
+              </a:spcAft>
+              <a:defRPr>
+                <a:solidFill>
+                  <a:schemeClr val="tx1"/>
+                </a:solidFill>
+                <a:latin typeface="Arial" panose="020B0604020202020204" pitchFamily="34" charset="0"/>
+              </a:defRPr>
+            </a:lvl1pPr>
+            <a:lvl2pPr eaLnBrk="0" fontAlgn="base" hangingPunct="0">
+              <a:spcBef>
+                <a:spcPct val="0"/>
+              </a:spcBef>
+              <a:spcAft>
+                <a:spcPct val="0"/>
+              </a:spcAft>
+              <a:defRPr>
+                <a:solidFill>
+                  <a:schemeClr val="tx1"/>
+                </a:solidFill>
+                <a:latin typeface="Arial" panose="020B0604020202020204" pitchFamily="34" charset="0"/>
+              </a:defRPr>
+            </a:lvl2pPr>
+            <a:lvl3pPr eaLnBrk="0" fontAlgn="base" hangingPunct="0">
+              <a:spcBef>
+                <a:spcPct val="0"/>
+              </a:spcBef>
+              <a:spcAft>
+                <a:spcPct val="0"/>
+              </a:spcAft>
+              <a:defRPr>
+                <a:solidFill>
+                  <a:schemeClr val="tx1"/>
+                </a:solidFill>
+                <a:latin typeface="Arial" panose="020B0604020202020204" pitchFamily="34" charset="0"/>
+              </a:defRPr>
+            </a:lvl3pPr>
+            <a:lvl4pPr eaLnBrk="0" fontAlgn="base" hangingPunct="0">
+              <a:spcBef>
+                <a:spcPct val="0"/>
+              </a:spcBef>
+              <a:spcAft>
+                <a:spcPct val="0"/>
+              </a:spcAft>
+              <a:defRPr>
+                <a:solidFill>
+                  <a:schemeClr val="tx1"/>
+                </a:solidFill>
+                <a:latin typeface="Arial" panose="020B0604020202020204" pitchFamily="34" charset="0"/>
+              </a:defRPr>
+            </a:lvl4pPr>
+            <a:lvl5pPr eaLnBrk="0" fontAlgn="base" hangingPunct="0">
+              <a:spcBef>
+                <a:spcPct val="0"/>
+              </a:spcBef>
+              <a:spcAft>
+                <a:spcPct val="0"/>
+              </a:spcAft>
+              <a:defRPr>
+                <a:solidFill>
+                  <a:schemeClr val="tx1"/>
+                </a:solidFill>
+                <a:latin typeface="Arial" panose="020B0604020202020204" pitchFamily="34" charset="0"/>
+              </a:defRPr>
+            </a:lvl5pPr>
+            <a:lvl6pPr eaLnBrk="0" fontAlgn="base" hangingPunct="0">
+              <a:spcBef>
+                <a:spcPct val="0"/>
+              </a:spcBef>
+              <a:spcAft>
+                <a:spcPct val="0"/>
+              </a:spcAft>
+              <a:defRPr>
+                <a:solidFill>
+                  <a:schemeClr val="tx1"/>
+                </a:solidFill>
+                <a:latin typeface="Arial" panose="020B0604020202020204" pitchFamily="34" charset="0"/>
+              </a:defRPr>
+            </a:lvl6pPr>
+            <a:lvl7pPr eaLnBrk="0" fontAlgn="base" hangingPunct="0">
+              <a:spcBef>
+                <a:spcPct val="0"/>
+              </a:spcBef>
+              <a:spcAft>
+                <a:spcPct val="0"/>
+              </a:spcAft>
+              <a:defRPr>
+                <a:solidFill>
+                  <a:schemeClr val="tx1"/>
+                </a:solidFill>
+                <a:latin typeface="Arial" panose="020B0604020202020204" pitchFamily="34" charset="0"/>
+              </a:defRPr>
+            </a:lvl7pPr>
+            <a:lvl8pPr eaLnBrk="0" fontAlgn="base" hangingPunct="0">
+              <a:spcBef>
+                <a:spcPct val="0"/>
+              </a:spcBef>
+              <a:spcAft>
+                <a:spcPct val="0"/>
+              </a:spcAft>
+              <a:defRPr>
+                <a:solidFill>
+                  <a:schemeClr val="tx1"/>
+                </a:solidFill>
+                <a:latin typeface="Arial" panose="020B0604020202020204" pitchFamily="34" charset="0"/>
+              </a:defRPr>
+            </a:lvl8pPr>
+            <a:lvl9pPr eaLnBrk="0" fontAlgn="base" hangingPunct="0">
+              <a:spcBef>
+                <a:spcPct val="0"/>
+              </a:spcBef>
+              <a:spcAft>
+                <a:spcPct val="0"/>
+              </a:spcAft>
+              <a:defRPr>
+                <a:solidFill>
+                  <a:schemeClr val="tx1"/>
+                </a:solidFill>
+                <a:latin typeface="Arial" panose="020B0604020202020204" pitchFamily="34" charset="0"/>
+              </a:defRPr>
+            </a:lvl9pPr>
+          </a:lstStyle>
+          <a:p>
+            <a:pPr marL="0" lvl="0" indent="0">
+              <a:lnSpc>
+                <a:spcPct val="100000"/>
+              </a:lnSpc>
+              <a:buNone/>
+            </a:pPr>
+            <a:r>
+              <a:rPr lang="en-US" altLang="nl-NL" sz="2400" dirty="0" smtClean="0">
+                <a:latin typeface="+mn-lt"/>
+              </a:rPr>
+              <a:t>Download:  </a:t>
+            </a:r>
+            <a:r>
+              <a:rPr lang="en-US" altLang="nl-NL" b="1" dirty="0" smtClean="0">
+                <a:solidFill>
+                  <a:srgbClr val="FF0000"/>
+                </a:solidFill>
+                <a:latin typeface="+mn-lt"/>
+              </a:rPr>
+              <a:t>https</a:t>
+            </a:r>
+            <a:r>
+              <a:rPr lang="en-US" altLang="nl-NL" b="1" dirty="0">
+                <a:solidFill>
+                  <a:srgbClr val="FF0000"/>
+                </a:solidFill>
+                <a:latin typeface="+mn-lt"/>
+              </a:rPr>
+              <a:t>://</a:t>
+            </a:r>
+            <a:r>
+              <a:rPr lang="en-US" altLang="nl-NL" b="1" dirty="0" err="1">
+                <a:solidFill>
+                  <a:srgbClr val="FF0000"/>
+                </a:solidFill>
+                <a:latin typeface="+mn-lt"/>
+              </a:rPr>
+              <a:t>github.com</a:t>
+            </a:r>
+            <a:r>
+              <a:rPr lang="en-US" altLang="nl-NL" b="1" dirty="0">
+                <a:solidFill>
+                  <a:srgbClr val="FF0000"/>
+                </a:solidFill>
+                <a:latin typeface="+mn-lt"/>
+              </a:rPr>
+              <a:t>/petereijgermans11/workshop-</a:t>
+            </a:r>
+            <a:r>
+              <a:rPr lang="en-US" altLang="nl-NL" b="1" dirty="0" err="1">
+                <a:solidFill>
+                  <a:srgbClr val="FF0000"/>
+                </a:solidFill>
+                <a:latin typeface="+mn-lt"/>
+              </a:rPr>
+              <a:t>reactjs</a:t>
+            </a:r>
+            <a:r>
+              <a:rPr lang="en-US" altLang="nl-NL" b="1" dirty="0">
+                <a:solidFill>
+                  <a:srgbClr val="FF0000"/>
+                </a:solidFill>
+                <a:latin typeface="+mn-lt"/>
+              </a:rPr>
+              <a:t>-angular</a:t>
+            </a:r>
+            <a:endParaRPr lang="en-US" altLang="nl-NL" b="1" dirty="0" smtClean="0">
+              <a:solidFill>
+                <a:srgbClr val="FF0000"/>
+              </a:solidFill>
+              <a:latin typeface="+mn-lt"/>
+            </a:endParaRPr>
+          </a:p>
+          <a:p>
+            <a:pPr marL="0" lvl="0" indent="0">
+              <a:lnSpc>
+                <a:spcPct val="100000"/>
+              </a:lnSpc>
+              <a:buNone/>
+            </a:pPr>
+            <a:endParaRPr lang="en-US" altLang="nl-NL" sz="2400" b="1" dirty="0" smtClean="0">
+              <a:latin typeface="+mn-lt"/>
+            </a:endParaRPr>
+          </a:p>
+          <a:p>
+            <a:pPr marL="0" lvl="0" indent="0">
+              <a:lnSpc>
+                <a:spcPct val="100000"/>
+              </a:lnSpc>
+              <a:buNone/>
+            </a:pPr>
+            <a:r>
+              <a:rPr lang="en-US" altLang="nl-NL" sz="2400" dirty="0" smtClean="0">
+                <a:latin typeface="+mn-lt"/>
+              </a:rPr>
+              <a:t>    </a:t>
+            </a:r>
+            <a:endParaRPr lang="en-US" altLang="nl-NL" sz="2400" dirty="0">
+              <a:latin typeface="+mn-lt"/>
+            </a:endParaRPr>
+          </a:p>
+          <a:p>
+            <a:pPr marL="0" lvl="0" indent="0">
+              <a:lnSpc>
+                <a:spcPct val="100000"/>
+              </a:lnSpc>
+              <a:buNone/>
+            </a:pPr>
+            <a:r>
+              <a:rPr lang="en-US" altLang="nl-NL" sz="2400" dirty="0">
+                <a:latin typeface="+mn-lt"/>
+              </a:rPr>
+              <a:t>Bootstrap your application: </a:t>
+            </a:r>
+            <a:r>
+              <a:rPr lang="en-US" altLang="nl-NL" sz="2400" dirty="0" smtClean="0">
+                <a:latin typeface="+mn-lt"/>
+              </a:rPr>
+              <a:t> </a:t>
+            </a:r>
+            <a:r>
+              <a:rPr lang="en-US" sz="2400" b="1" dirty="0"/>
+              <a:t>cd ./angular </a:t>
+            </a:r>
+            <a:endParaRPr lang="en-US" sz="2400" b="1" dirty="0" smtClean="0"/>
+          </a:p>
+          <a:p>
+            <a:pPr marL="0" indent="0">
+              <a:buNone/>
+            </a:pPr>
+            <a:r>
+              <a:rPr lang="en-US" sz="2400" dirty="0"/>
+              <a:t> </a:t>
+            </a:r>
+            <a:r>
+              <a:rPr lang="en-US" sz="2400" dirty="0" smtClean="0"/>
+              <a:t>                                         </a:t>
+            </a:r>
+            <a:r>
+              <a:rPr lang="en-US" sz="2400" b="1" dirty="0" err="1"/>
+              <a:t>npm</a:t>
+            </a:r>
+            <a:r>
+              <a:rPr lang="en-US" sz="2400" b="1" dirty="0"/>
+              <a:t> install -g @</a:t>
+            </a:r>
+            <a:r>
+              <a:rPr lang="en-US" sz="2400" b="1" dirty="0" smtClean="0"/>
+              <a:t>angular/cli</a:t>
+            </a:r>
+            <a:endParaRPr lang="en-US" sz="2400" b="1" dirty="0"/>
+          </a:p>
+          <a:p>
+            <a:pPr marL="0" indent="0">
+              <a:buNone/>
+            </a:pPr>
+            <a:r>
+              <a:rPr lang="en-US" sz="2400" b="1" dirty="0" smtClean="0"/>
+              <a:t>                                          </a:t>
+            </a:r>
+            <a:r>
+              <a:rPr lang="en-US" sz="2400" b="1" dirty="0" err="1" smtClean="0"/>
+              <a:t>npm</a:t>
+            </a:r>
+            <a:r>
+              <a:rPr lang="en-US" sz="2400" b="1" dirty="0" smtClean="0"/>
+              <a:t> </a:t>
+            </a:r>
+            <a:r>
+              <a:rPr lang="en-US" sz="2400" b="1" dirty="0"/>
+              <a:t>install</a:t>
+            </a:r>
+          </a:p>
+          <a:p>
+            <a:pPr marL="0" indent="0">
+              <a:buNone/>
+            </a:pPr>
+            <a:r>
+              <a:rPr lang="en-US" sz="2400" b="1" dirty="0" smtClean="0"/>
+              <a:t>                                          ng </a:t>
+            </a:r>
+            <a:r>
+              <a:rPr lang="en-US" sz="2400" b="1" dirty="0"/>
+              <a:t>serve --open</a:t>
+            </a:r>
+          </a:p>
+          <a:p>
+            <a:pPr marL="0" lvl="0" indent="0">
+              <a:lnSpc>
+                <a:spcPct val="100000"/>
+              </a:lnSpc>
+              <a:buNone/>
+            </a:pPr>
+            <a:endParaRPr lang="en-US" altLang="nl-NL" sz="2400" dirty="0" smtClean="0">
+              <a:latin typeface="+mn-lt"/>
+            </a:endParaRPr>
+          </a:p>
+          <a:p>
+            <a:pPr marL="0" lvl="0" indent="0">
+              <a:lnSpc>
+                <a:spcPct val="100000"/>
+              </a:lnSpc>
+              <a:buNone/>
+            </a:pPr>
+            <a:endParaRPr lang="en-US" altLang="nl-NL" sz="2400" dirty="0">
+              <a:latin typeface="+mn-lt"/>
+            </a:endParaRPr>
+          </a:p>
+          <a:p>
+            <a:pPr marL="0" lvl="0" indent="0">
+              <a:lnSpc>
+                <a:spcPct val="100000"/>
+              </a:lnSpc>
+              <a:buNone/>
+            </a:pPr>
+            <a:r>
+              <a:rPr lang="en-US" altLang="nl-NL" sz="2400" dirty="0">
+                <a:latin typeface="+mn-lt"/>
+              </a:rPr>
+              <a:t>!oops</a:t>
+            </a:r>
+          </a:p>
+          <a:p>
+            <a:pPr marL="0" lvl="0" indent="0">
+              <a:lnSpc>
+                <a:spcPct val="100000"/>
+              </a:lnSpc>
+              <a:buNone/>
+            </a:pPr>
+            <a:endParaRPr lang="en-US" altLang="nl-NL" sz="2400" dirty="0">
+              <a:latin typeface="+mn-lt"/>
+            </a:endParaRPr>
+          </a:p>
+          <a:p>
+            <a:pPr marL="0" lvl="0" indent="0">
+              <a:lnSpc>
+                <a:spcPct val="100000"/>
+              </a:lnSpc>
+              <a:buNone/>
+            </a:pPr>
+            <a:r>
+              <a:rPr lang="en-US" altLang="nl-NL" sz="2400" dirty="0">
+                <a:latin typeface="+mn-lt"/>
+              </a:rPr>
+              <a:t>This application doesn't work </a:t>
+            </a:r>
+            <a:r>
+              <a:rPr lang="en-US" altLang="nl-NL" sz="2400" dirty="0" smtClean="0">
+                <a:latin typeface="+mn-lt"/>
+              </a:rPr>
+              <a:t>:(</a:t>
+            </a:r>
+          </a:p>
+          <a:p>
+            <a:pPr marL="0" lvl="0" indent="0">
+              <a:lnSpc>
+                <a:spcPct val="100000"/>
+              </a:lnSpc>
+              <a:buNone/>
+            </a:pPr>
+            <a:endParaRPr kumimoji="0" lang="en-US" altLang="nl-NL" sz="2400" b="0" i="0" u="none" strike="noStrike" cap="none" normalizeH="0" baseline="0" dirty="0">
+              <a:ln>
+                <a:noFill/>
+              </a:ln>
+              <a:solidFill>
+                <a:schemeClr val="tx1"/>
+              </a:solidFill>
+              <a:effectLst/>
+              <a:latin typeface="+mn-lt"/>
+            </a:endParaRPr>
+          </a:p>
+          <a:p>
+            <a:pPr marL="0" lvl="0" indent="0">
+              <a:lnSpc>
+                <a:spcPct val="100000"/>
+              </a:lnSpc>
+              <a:buNone/>
+            </a:pPr>
+            <a:r>
+              <a:rPr lang="en-US" altLang="nl-NL" sz="2400" b="1" dirty="0">
+                <a:latin typeface="+mn-lt"/>
+              </a:rPr>
+              <a:t>See </a:t>
+            </a:r>
+            <a:r>
+              <a:rPr lang="en-US" altLang="nl-NL" sz="2400" b="1" dirty="0" smtClean="0">
+                <a:latin typeface="+mn-lt"/>
+              </a:rPr>
+              <a:t>tutorial to fix the problems:  </a:t>
+            </a:r>
+            <a:r>
+              <a:rPr lang="en-US" altLang="nl-NL" sz="2400" b="1" dirty="0">
+                <a:solidFill>
+                  <a:srgbClr val="FF0000"/>
+                </a:solidFill>
+                <a:latin typeface="+mn-lt"/>
+              </a:rPr>
+              <a:t>https://</a:t>
+            </a:r>
+            <a:r>
+              <a:rPr lang="en-US" altLang="nl-NL" sz="2400" b="1" dirty="0" err="1">
+                <a:solidFill>
+                  <a:srgbClr val="FF0000"/>
+                </a:solidFill>
+                <a:latin typeface="+mn-lt"/>
+              </a:rPr>
+              <a:t>angular.io</a:t>
+            </a:r>
+            <a:r>
+              <a:rPr lang="en-US" altLang="nl-NL" sz="2400" b="1" dirty="0">
+                <a:solidFill>
+                  <a:srgbClr val="FF0000"/>
+                </a:solidFill>
+                <a:latin typeface="+mn-lt"/>
+              </a:rPr>
+              <a:t>/tutorial/toh-pt6</a:t>
+            </a:r>
+            <a:endParaRPr kumimoji="0" lang="nl-NL" altLang="nl-NL" sz="2400" b="1" i="0" u="none" strike="noStrike" cap="none" normalizeH="0" baseline="0" dirty="0" smtClean="0">
+              <a:ln>
+                <a:noFill/>
+              </a:ln>
+              <a:solidFill>
+                <a:srgbClr val="FF0000"/>
+              </a:solidFill>
+              <a:effectLst/>
+              <a:latin typeface="+mn-lt"/>
+            </a:endParaRPr>
+          </a:p>
+        </p:txBody>
+      </p:sp>
+    </p:spTree>
+    <p:extLst>
+      <p:ext uri="{BB962C8B-B14F-4D97-AF65-F5344CB8AC3E}">
+        <p14:creationId xmlns:p14="http://schemas.microsoft.com/office/powerpoint/2010/main" val="656802931"/>
       </p:ext>
     </p:extLst>
   </p:cSld>

--- a/ Angular.pptx
+++ b/ Angular.pptx
@@ -226,7 +226,7 @@
           <a:p>
             <a:fld id="{6848C585-BF4F-4A51-B926-B9EBAB7722D4}" type="datetimeFigureOut">
               <a:rPr lang="nl-NL" smtClean="0"/>
-              <a:t>26-04-18</a:t>
+              <a:t>30-04-18</a:t>
             </a:fld>
             <a:endParaRPr lang="nl-NL"/>
           </a:p>
@@ -956,7 +956,7 @@
             </a:r>
             <a:r>
               <a:rPr lang="en-US" dirty="0" err="1" smtClean="0"/>
-              <a:t>BookListComponent</a:t>
+              <a:t>BookSearchComponent</a:t>
             </a:r>
             <a:r>
               <a:rPr lang="en-US" dirty="0" smtClean="0"/>
@@ -976,7 +976,7 @@
             </a:r>
             <a:r>
               <a:rPr lang="en-US" dirty="0" err="1" smtClean="0"/>
-              <a:t>BookListComponent</a:t>
+              <a:t>BookSearchComponent</a:t>
             </a:r>
             <a:r>
               <a:rPr lang="en-US" sz="1200" b="0" i="0" kern="1200" dirty="0" smtClean="0">
@@ -1326,6 +1326,199 @@
           <a:bodyPr/>
           <a:lstStyle/>
           <a:p>
+            <a:r>
+              <a:rPr lang="nl-NL" dirty="0" smtClean="0"/>
+              <a:t>Databinding = </a:t>
+            </a:r>
+            <a:r>
+              <a:rPr lang="nl-NL" sz="1200" b="0" i="0" kern="1200" dirty="0" smtClean="0">
+                <a:solidFill>
+                  <a:schemeClr val="tx1"/>
+                </a:solidFill>
+                <a:effectLst/>
+                <a:latin typeface="+mn-lt"/>
+                <a:ea typeface="+mn-ea"/>
+                <a:cs typeface="+mn-cs"/>
+              </a:rPr>
+              <a:t>Data binding in </a:t>
+            </a:r>
+            <a:r>
+              <a:rPr lang="nl-NL" sz="1200" b="0" i="0" kern="1200" dirty="0" err="1" smtClean="0">
+                <a:solidFill>
+                  <a:schemeClr val="tx1"/>
+                </a:solidFill>
+                <a:effectLst/>
+                <a:latin typeface="+mn-lt"/>
+                <a:ea typeface="+mn-ea"/>
+                <a:cs typeface="+mn-cs"/>
+              </a:rPr>
+              <a:t>AngularJS</a:t>
+            </a:r>
+            <a:r>
+              <a:rPr lang="nl-NL" sz="1200" b="0" i="0" kern="1200" dirty="0" smtClean="0">
+                <a:solidFill>
+                  <a:schemeClr val="tx1"/>
+                </a:solidFill>
+                <a:effectLst/>
+                <a:latin typeface="+mn-lt"/>
+                <a:ea typeface="+mn-ea"/>
+                <a:cs typeface="+mn-cs"/>
+              </a:rPr>
+              <a:t> is </a:t>
+            </a:r>
+            <a:r>
+              <a:rPr lang="nl-NL" sz="1200" b="0" i="0" kern="1200" dirty="0" err="1" smtClean="0">
+                <a:solidFill>
+                  <a:schemeClr val="tx1"/>
+                </a:solidFill>
+                <a:effectLst/>
+                <a:latin typeface="+mn-lt"/>
+                <a:ea typeface="+mn-ea"/>
+                <a:cs typeface="+mn-cs"/>
+              </a:rPr>
+              <a:t>the</a:t>
+            </a:r>
+            <a:r>
+              <a:rPr lang="nl-NL" sz="1200" b="0" i="0" kern="1200" dirty="0" smtClean="0">
+                <a:solidFill>
+                  <a:schemeClr val="tx1"/>
+                </a:solidFill>
+                <a:effectLst/>
+                <a:latin typeface="+mn-lt"/>
+                <a:ea typeface="+mn-ea"/>
+                <a:cs typeface="+mn-cs"/>
+              </a:rPr>
+              <a:t> </a:t>
+            </a:r>
+            <a:r>
+              <a:rPr lang="nl-NL" sz="1200" b="0" i="0" kern="1200" dirty="0" err="1" smtClean="0">
+                <a:solidFill>
+                  <a:schemeClr val="tx1"/>
+                </a:solidFill>
+                <a:effectLst/>
+                <a:latin typeface="+mn-lt"/>
+                <a:ea typeface="+mn-ea"/>
+                <a:cs typeface="+mn-cs"/>
+              </a:rPr>
+              <a:t>synchronization</a:t>
+            </a:r>
+            <a:r>
+              <a:rPr lang="nl-NL" sz="1200" b="0" i="0" kern="1200" dirty="0" smtClean="0">
+                <a:solidFill>
+                  <a:schemeClr val="tx1"/>
+                </a:solidFill>
+                <a:effectLst/>
+                <a:latin typeface="+mn-lt"/>
+                <a:ea typeface="+mn-ea"/>
+                <a:cs typeface="+mn-cs"/>
+              </a:rPr>
+              <a:t> </a:t>
+            </a:r>
+            <a:r>
+              <a:rPr lang="nl-NL" sz="1200" b="0" i="0" kern="1200" dirty="0" err="1" smtClean="0">
+                <a:solidFill>
+                  <a:schemeClr val="tx1"/>
+                </a:solidFill>
+                <a:effectLst/>
+                <a:latin typeface="+mn-lt"/>
+                <a:ea typeface="+mn-ea"/>
+                <a:cs typeface="+mn-cs"/>
+              </a:rPr>
+              <a:t>between</a:t>
+            </a:r>
+            <a:r>
+              <a:rPr lang="nl-NL" sz="1200" b="0" i="0" kern="1200" dirty="0" smtClean="0">
+                <a:solidFill>
+                  <a:schemeClr val="tx1"/>
+                </a:solidFill>
+                <a:effectLst/>
+                <a:latin typeface="+mn-lt"/>
+                <a:ea typeface="+mn-ea"/>
+                <a:cs typeface="+mn-cs"/>
+              </a:rPr>
+              <a:t> </a:t>
+            </a:r>
+            <a:r>
+              <a:rPr lang="nl-NL" sz="1200" b="0" i="0" kern="1200" dirty="0" err="1" smtClean="0">
+                <a:solidFill>
+                  <a:schemeClr val="tx1"/>
+                </a:solidFill>
+                <a:effectLst/>
+                <a:latin typeface="+mn-lt"/>
+                <a:ea typeface="+mn-ea"/>
+                <a:cs typeface="+mn-cs"/>
+              </a:rPr>
+              <a:t>the</a:t>
+            </a:r>
+            <a:r>
+              <a:rPr lang="nl-NL" sz="1200" b="0" i="0" kern="1200" dirty="0" smtClean="0">
+                <a:solidFill>
+                  <a:schemeClr val="tx1"/>
+                </a:solidFill>
+                <a:effectLst/>
+                <a:latin typeface="+mn-lt"/>
+                <a:ea typeface="+mn-ea"/>
+                <a:cs typeface="+mn-cs"/>
+              </a:rPr>
+              <a:t> model </a:t>
+            </a:r>
+            <a:r>
+              <a:rPr lang="nl-NL" sz="1200" b="0" i="0" kern="1200" dirty="0" err="1" smtClean="0">
+                <a:solidFill>
+                  <a:schemeClr val="tx1"/>
+                </a:solidFill>
+                <a:effectLst/>
+                <a:latin typeface="+mn-lt"/>
+                <a:ea typeface="+mn-ea"/>
+                <a:cs typeface="+mn-cs"/>
+              </a:rPr>
+              <a:t>and</a:t>
+            </a:r>
+            <a:r>
+              <a:rPr lang="nl-NL" sz="1200" b="0" i="0" kern="1200" dirty="0" smtClean="0">
+                <a:solidFill>
+                  <a:schemeClr val="tx1"/>
+                </a:solidFill>
+                <a:effectLst/>
+                <a:latin typeface="+mn-lt"/>
+                <a:ea typeface="+mn-ea"/>
+                <a:cs typeface="+mn-cs"/>
+              </a:rPr>
+              <a:t> </a:t>
+            </a:r>
+            <a:r>
+              <a:rPr lang="nl-NL" sz="1200" b="0" i="0" kern="1200" dirty="0" err="1" smtClean="0">
+                <a:solidFill>
+                  <a:schemeClr val="tx1"/>
+                </a:solidFill>
+                <a:effectLst/>
+                <a:latin typeface="+mn-lt"/>
+                <a:ea typeface="+mn-ea"/>
+                <a:cs typeface="+mn-cs"/>
+              </a:rPr>
+              <a:t>the</a:t>
+            </a:r>
+            <a:r>
+              <a:rPr lang="nl-NL" sz="1200" b="0" i="0" kern="1200" dirty="0" smtClean="0">
+                <a:solidFill>
+                  <a:schemeClr val="tx1"/>
+                </a:solidFill>
+                <a:effectLst/>
+                <a:latin typeface="+mn-lt"/>
+                <a:ea typeface="+mn-ea"/>
+                <a:cs typeface="+mn-cs"/>
+              </a:rPr>
+              <a:t> view.</a:t>
+            </a:r>
+          </a:p>
+          <a:p>
+            <a:r>
+              <a:rPr lang="nl-NL" smtClean="0"/>
+              <a:t/>
+            </a:r>
+            <a:br>
+              <a:rPr lang="nl-NL" smtClean="0"/>
+            </a:br>
             <a:endParaRPr lang="ru-RU" dirty="0"/>
           </a:p>
         </p:txBody>
@@ -2096,11 +2289,7 @@
             </a:r>
             <a:r>
               <a:rPr lang="en-US" baseline="0" dirty="0" smtClean="0"/>
-              <a:t>: map(), filter(), reduce</a:t>
-            </a:r>
-            <a:r>
-              <a:rPr lang="en-US" baseline="0" dirty="0" smtClean="0"/>
-              <a:t>()</a:t>
+              <a:t>: map(), filter(), reduce()</a:t>
             </a:r>
           </a:p>
           <a:p>
@@ -2165,7 +2354,7 @@
               <a:t>each</a:t>
             </a:r>
             <a:r>
-              <a:rPr lang="nl-NL" sz="1200" b="1" smtClean="0"/>
+              <a:rPr lang="nl-NL" sz="1200" b="1" dirty="0" smtClean="0"/>
               <a:t> minute.</a:t>
             </a:r>
           </a:p>
@@ -2283,11 +2472,7 @@
             </a:r>
             <a:r>
               <a:rPr lang="en-US" b="1" baseline="0" dirty="0" smtClean="0"/>
-              <a:t> always on the incoming data-stream </a:t>
-            </a:r>
-            <a:r>
-              <a:rPr lang="en-US" b="1" baseline="0" dirty="0" smtClean="0"/>
-              <a:t>!!!  (= PUSH BERICHT)</a:t>
+              <a:t> always on the incoming data-stream !!!  (= PUSH BERICHT)</a:t>
             </a:r>
             <a:endParaRPr lang="en-US" b="1" dirty="0" smtClean="0"/>
           </a:p>
@@ -3144,6 +3329,18 @@
               <a:rPr lang="nl-NL" b="1" i="1" baseline="0" dirty="0" err="1" smtClean="0"/>
               <a:t>JavaScript</a:t>
             </a:r>
+            <a:r>
+              <a:rPr lang="nl-NL" b="1" i="1" baseline="0" dirty="0" smtClean="0"/>
+              <a:t>. Program in a OO </a:t>
+            </a:r>
+            <a:r>
+              <a:rPr lang="nl-NL" b="1" i="1" baseline="0" dirty="0" err="1" smtClean="0"/>
+              <a:t>style</a:t>
+            </a:r>
+            <a:r>
+              <a:rPr lang="nl-NL" b="1" i="1" baseline="0" dirty="0" smtClean="0"/>
+              <a:t>.</a:t>
+            </a:r>
             <a:endParaRPr lang="nl-NL" b="1" i="1" dirty="0" smtClean="0"/>
           </a:p>
           <a:p>
@@ -3965,7 +4162,11 @@
             </a:r>
             <a:r>
               <a:rPr lang="en-US" dirty="0" smtClean="0"/>
-              <a:t> in </a:t>
+              <a:t> </a:t>
+            </a:r>
+            <a:r>
+              <a:rPr lang="en-US" dirty="0" smtClean="0"/>
+              <a:t>in </a:t>
             </a:r>
             <a:r>
               <a:rPr lang="en-US" dirty="0" err="1" smtClean="0"/>
@@ -4043,7 +4244,11 @@
             </a:r>
             <a:r>
               <a:rPr lang="en-US" baseline="0" dirty="0" smtClean="0"/>
-              <a:t> in de browsers</a:t>
+              <a:t> </a:t>
+            </a:r>
+            <a:r>
+              <a:rPr lang="en-US" baseline="0" dirty="0" smtClean="0"/>
+              <a:t>in de browsers</a:t>
             </a:r>
             <a:r>
               <a:rPr lang="en-US" dirty="0" smtClean="0"/>
@@ -6612,7 +6817,7 @@
           <a:p>
             <a:fld id="{9379F80A-5E69-4003-A4CA-EECDF3CD699D}" type="datetimeFigureOut">
               <a:rPr lang="nl-NL" smtClean="0"/>
-              <a:t>26-04-18</a:t>
+              <a:t>30-04-18</a:t>
             </a:fld>
             <a:endParaRPr lang="nl-NL"/>
           </a:p>
@@ -6782,7 +6987,7 @@
           <a:p>
             <a:fld id="{9379F80A-5E69-4003-A4CA-EECDF3CD699D}" type="datetimeFigureOut">
               <a:rPr lang="nl-NL" smtClean="0"/>
-              <a:t>26-04-18</a:t>
+              <a:t>30-04-18</a:t>
             </a:fld>
             <a:endParaRPr lang="nl-NL"/>
           </a:p>
@@ -6962,7 +7167,7 @@
           <a:p>
             <a:fld id="{9379F80A-5E69-4003-A4CA-EECDF3CD699D}" type="datetimeFigureOut">
               <a:rPr lang="nl-NL" smtClean="0"/>
-              <a:t>26-04-18</a:t>
+              <a:t>30-04-18</a:t>
             </a:fld>
             <a:endParaRPr lang="nl-NL"/>
           </a:p>
@@ -7750,7 +7955,7 @@
           <a:p>
             <a:fld id="{9379F80A-5E69-4003-A4CA-EECDF3CD699D}" type="datetimeFigureOut">
               <a:rPr lang="nl-NL" smtClean="0"/>
-              <a:t>26-04-18</a:t>
+              <a:t>30-04-18</a:t>
             </a:fld>
             <a:endParaRPr lang="nl-NL"/>
           </a:p>
@@ -7996,7 +8201,7 @@
           <a:p>
             <a:fld id="{9379F80A-5E69-4003-A4CA-EECDF3CD699D}" type="datetimeFigureOut">
               <a:rPr lang="nl-NL" smtClean="0"/>
-              <a:t>26-04-18</a:t>
+              <a:t>30-04-18</a:t>
             </a:fld>
             <a:endParaRPr lang="nl-NL"/>
           </a:p>
@@ -8228,7 +8433,7 @@
           <a:p>
             <a:fld id="{9379F80A-5E69-4003-A4CA-EECDF3CD699D}" type="datetimeFigureOut">
               <a:rPr lang="nl-NL" smtClean="0"/>
-              <a:t>26-04-18</a:t>
+              <a:t>30-04-18</a:t>
             </a:fld>
             <a:endParaRPr lang="nl-NL"/>
           </a:p>
@@ -8595,7 +8800,7 @@
           <a:p>
             <a:fld id="{9379F80A-5E69-4003-A4CA-EECDF3CD699D}" type="datetimeFigureOut">
               <a:rPr lang="nl-NL" smtClean="0"/>
-              <a:t>26-04-18</a:t>
+              <a:t>30-04-18</a:t>
             </a:fld>
             <a:endParaRPr lang="nl-NL"/>
           </a:p>
@@ -8713,7 +8918,7 @@
           <a:p>
             <a:fld id="{9379F80A-5E69-4003-A4CA-EECDF3CD699D}" type="datetimeFigureOut">
               <a:rPr lang="nl-NL" smtClean="0"/>
-              <a:t>26-04-18</a:t>
+              <a:t>30-04-18</a:t>
             </a:fld>
             <a:endParaRPr lang="nl-NL"/>
           </a:p>
@@ -8808,7 +9013,7 @@
           <a:p>
             <a:fld id="{9379F80A-5E69-4003-A4CA-EECDF3CD699D}" type="datetimeFigureOut">
               <a:rPr lang="nl-NL" smtClean="0"/>
-              <a:t>26-04-18</a:t>
+              <a:t>30-04-18</a:t>
             </a:fld>
             <a:endParaRPr lang="nl-NL"/>
           </a:p>
@@ -9085,7 +9290,7 @@
           <a:p>
             <a:fld id="{9379F80A-5E69-4003-A4CA-EECDF3CD699D}" type="datetimeFigureOut">
               <a:rPr lang="nl-NL" smtClean="0"/>
-              <a:t>26-04-18</a:t>
+              <a:t>30-04-18</a:t>
             </a:fld>
             <a:endParaRPr lang="nl-NL"/>
           </a:p>
@@ -9338,7 +9543,7 @@
           <a:p>
             <a:fld id="{9379F80A-5E69-4003-A4CA-EECDF3CD699D}" type="datetimeFigureOut">
               <a:rPr lang="nl-NL" smtClean="0"/>
-              <a:t>26-04-18</a:t>
+              <a:t>30-04-18</a:t>
             </a:fld>
             <a:endParaRPr lang="nl-NL"/>
           </a:p>
@@ -9579,7 +9784,7 @@
           <a:p>
             <a:fld id="{9379F80A-5E69-4003-A4CA-EECDF3CD699D}" type="datetimeFigureOut">
               <a:rPr lang="nl-NL" smtClean="0"/>
-              <a:t>26-04-18</a:t>
+              <a:t>30-04-18</a:t>
             </a:fld>
             <a:endParaRPr lang="nl-NL"/>
           </a:p>
@@ -11605,6 +11810,13 @@
   <p:clrMapOvr>
     <a:masterClrMapping/>
   </p:clrMapOvr>
+  <p:timing>
+    <p:tnLst>
+      <p:par>
+        <p:cTn id="1" dur="indefinite" restart="never" nodeType="tmRoot"/>
+      </p:par>
+    </p:tnLst>
+  </p:timing>
 </p:sld>
 </file>
 
@@ -11686,6 +11898,13 @@
   <p:clrMapOvr>
     <a:masterClrMapping/>
   </p:clrMapOvr>
+  <p:timing>
+    <p:tnLst>
+      <p:par>
+        <p:cTn id="1" dur="indefinite" restart="never" nodeType="tmRoot"/>
+      </p:par>
+    </p:tnLst>
+  </p:timing>
 </p:sld>
 </file>
 
@@ -11767,6 +11986,13 @@
   <p:clrMapOvr>
     <a:masterClrMapping/>
   </p:clrMapOvr>
+  <p:timing>
+    <p:tnLst>
+      <p:par>
+        <p:cTn id="1" dur="indefinite" restart="never" nodeType="tmRoot"/>
+      </p:par>
+    </p:tnLst>
+  </p:timing>
 </p:sld>
 </file>
 
@@ -16327,11 +16553,7 @@
             </a:r>
             <a:r>
               <a:rPr lang="nl-NL" sz="3600" b="1" u="sng" dirty="0" smtClean="0"/>
-              <a:t>x </a:t>
-            </a:r>
-            <a:r>
-              <a:rPr lang="nl-NL" sz="3600" b="1" u="sng" dirty="0" smtClean="0"/>
-              <a:t>=&gt;</a:t>
+              <a:t>x =&gt;</a:t>
             </a:r>
             <a:r>
               <a:rPr lang="nl-NL" sz="2400" b="1" u="sng" dirty="0" smtClean="0"/>
@@ -16709,7 +16931,7 @@
               <a:buNone/>
             </a:pPr>
             <a:r>
-              <a:rPr lang="en-US" sz="1400" b="1" dirty="0">
+              <a:rPr lang="en-US" sz="1400" b="1" dirty="0" smtClean="0">
                 <a:solidFill>
                   <a:srgbClr val="FF0000"/>
                 </a:solidFill>
@@ -16717,48 +16939,12 @@
               <a:t>import</a:t>
             </a:r>
             <a:r>
+              <a:rPr lang="en-US" sz="1400" b="1" dirty="0" smtClean="0"/>
+              <a:t> </a:t>
+            </a:r>
+            <a:r>
               <a:rPr lang="en-US" sz="1400" b="1" dirty="0"/>
-              <a:t> { of } from '</a:t>
-            </a:r>
-            <a:r>
-              <a:rPr lang="en-US" sz="1400" b="1" dirty="0" err="1">
-                <a:solidFill>
-                  <a:srgbClr val="FF0000"/>
-                </a:solidFill>
-              </a:rPr>
-              <a:t>rxjs</a:t>
-            </a:r>
-            <a:r>
-              <a:rPr lang="en-US" sz="1400" b="1" dirty="0">
-                <a:solidFill>
-                  <a:srgbClr val="FF0000"/>
-                </a:solidFill>
-              </a:rPr>
-              <a:t>/observable/of</a:t>
-            </a:r>
-            <a:r>
-              <a:rPr lang="en-US" sz="1400" b="1" dirty="0"/>
-              <a:t>';</a:t>
-            </a:r>
-          </a:p>
-          <a:p>
-            <a:pPr marL="0" indent="0">
-              <a:spcBef>
-                <a:spcPts val="50"/>
-              </a:spcBef>
-              <a:buNone/>
-            </a:pPr>
-            <a:r>
-              <a:rPr lang="en-US" sz="1400" b="1" dirty="0">
-                <a:solidFill>
-                  <a:srgbClr val="FF0000"/>
-                </a:solidFill>
-              </a:rPr>
-              <a:t>import</a:t>
-            </a:r>
-            <a:r>
-              <a:rPr lang="en-US" sz="1400" b="1" dirty="0"/>
-              <a:t> { </a:t>
+              <a:t>{ </a:t>
             </a:r>
             <a:r>
               <a:rPr lang="en-US" sz="1400" b="1" dirty="0" err="1"/>
@@ -17366,7 +17552,7 @@
                                         <p:tgtEl>
                                           <p:spTgt spid="3">
                                             <p:txEl>
-                                              <p:pRg st="6" end="6"/>
+                                              <p:pRg st="5" end="5"/>
                                             </p:txEl>
                                           </p:spTgt>
                                         </p:tgtEl>
@@ -17384,7 +17570,7 @@
                                         <p:tgtEl>
                                           <p:spTgt spid="3">
                                             <p:txEl>
-                                              <p:pRg st="6" end="6"/>
+                                              <p:pRg st="5" end="5"/>
                                             </p:txEl>
                                           </p:spTgt>
                                         </p:tgtEl>
@@ -17396,7 +17582,7 @@
                                         <p:tgtEl>
                                           <p:spTgt spid="3">
                                             <p:txEl>
-                                              <p:pRg st="6" end="6"/>
+                                              <p:pRg st="5" end="5"/>
                                             </p:txEl>
                                           </p:spTgt>
                                         </p:tgtEl>
@@ -17423,7 +17609,7 @@
                                         <p:tgtEl>
                                           <p:spTgt spid="3">
                                             <p:txEl>
-                                              <p:pRg st="6" end="6"/>
+                                              <p:pRg st="5" end="5"/>
                                             </p:txEl>
                                           </p:spTgt>
                                         </p:tgtEl>
@@ -17749,7 +17935,7 @@
             <a:r>
               <a:rPr lang="nl-NL" sz="2000" b="1" dirty="0" err="1">
                 <a:solidFill>
-                  <a:srgbClr val="C00000"/>
+                  <a:srgbClr val="FFC000"/>
                 </a:solidFill>
               </a:rPr>
               <a:t>BookService</a:t>
@@ -18248,7 +18434,7 @@
             <a:r>
               <a:rPr lang="en-US" sz="2400" b="1" dirty="0" err="1">
                 <a:solidFill>
-                  <a:srgbClr val="FF0000"/>
+                  <a:srgbClr val="FFC000"/>
                 </a:solidFill>
               </a:rPr>
               <a:t>bookService</a:t>
@@ -18384,7 +18570,19 @@
             </a:r>
             <a:r>
               <a:rPr lang="en-US" sz="2400" b="1" dirty="0" err="1" smtClean="0"/>
-              <a:t>this.bookService.getBooks</a:t>
+              <a:t>this.</a:t>
+            </a:r>
+            <a:r>
+              <a:rPr lang="en-US" sz="2400" b="1" dirty="0" err="1" smtClean="0">
+                <a:solidFill>
+                  <a:srgbClr val="FFC000"/>
+                </a:solidFill>
+              </a:rPr>
+              <a:t>bookService</a:t>
+            </a:r>
+            <a:r>
+              <a:rPr lang="en-US" sz="2400" b="1" dirty="0" err="1" smtClean="0"/>
+              <a:t>.getBooks</a:t>
             </a:r>
             <a:r>
               <a:rPr lang="en-US" sz="2400" b="1" dirty="0"/>
@@ -18400,7 +18598,7 @@
               <a:t>		</a:t>
             </a:r>
             <a:r>
-              <a:rPr lang="en-US" b="1" dirty="0" smtClean="0">
+              <a:rPr lang="en-US" b="1" i="1" dirty="0" smtClean="0">
                 <a:solidFill>
                   <a:srgbClr val="FF0000"/>
                 </a:solidFill>
@@ -18408,7 +18606,7 @@
               <a:t>.</a:t>
             </a:r>
             <a:r>
-              <a:rPr lang="en-US" b="1" dirty="0">
+              <a:rPr lang="en-US" b="1" i="1" dirty="0">
                 <a:solidFill>
                   <a:srgbClr val="FF0000"/>
                 </a:solidFill>
@@ -19928,7 +20126,7 @@
               </a:rPr>
             </a:br>
             <a:r>
-              <a:rPr lang="nl-NL" sz="2400" b="1" i="1" dirty="0">
+              <a:rPr lang="nl-NL" sz="2000" b="1" i="1" dirty="0">
                 <a:solidFill>
                   <a:schemeClr val="tx1"/>
                 </a:solidFill>
@@ -19936,7 +20134,7 @@
               <a:t>A component </a:t>
             </a:r>
             <a:r>
-              <a:rPr lang="nl-NL" sz="2400" b="1" i="1" dirty="0" err="1">
+              <a:rPr lang="nl-NL" sz="2000" b="1" i="1" dirty="0" err="1">
                 <a:solidFill>
                   <a:schemeClr val="tx1"/>
                 </a:solidFill>
@@ -19944,7 +20142,7 @@
               <a:t>adds</a:t>
             </a:r>
             <a:r>
-              <a:rPr lang="nl-NL" sz="2400" b="1" i="1" dirty="0">
+              <a:rPr lang="nl-NL" sz="2000" b="1" i="1" dirty="0">
                 <a:solidFill>
                   <a:schemeClr val="tx1"/>
                 </a:solidFill>
@@ -19952,7 +20150,7 @@
               <a:t> logic </a:t>
             </a:r>
             <a:r>
-              <a:rPr lang="nl-NL" sz="2400" b="1" i="1" dirty="0" err="1">
+              <a:rPr lang="nl-NL" sz="2000" b="1" i="1" dirty="0" err="1">
                 <a:solidFill>
                   <a:schemeClr val="tx1"/>
                 </a:solidFill>
@@ -19960,12 +20158,44 @@
               <a:t>to</a:t>
             </a:r>
             <a:r>
-              <a:rPr lang="nl-NL" sz="2400" b="1" i="1" dirty="0">
+              <a:rPr lang="nl-NL" sz="2000" b="1" i="1" dirty="0">
                 <a:solidFill>
                   <a:schemeClr val="tx1"/>
                 </a:solidFill>
               </a:rPr>
-              <a:t> a DOM elementen</a:t>
+              <a:t> </a:t>
+            </a:r>
+            <a:r>
+              <a:rPr lang="nl-NL" sz="2000" b="1" i="1" dirty="0" err="1" smtClean="0">
+                <a:solidFill>
+                  <a:schemeClr val="tx1"/>
+                </a:solidFill>
+              </a:rPr>
+              <a:t>the</a:t>
+            </a:r>
+            <a:r>
+              <a:rPr lang="nl-NL" sz="2000" b="1" i="1" dirty="0" smtClean="0">
+                <a:solidFill>
+                  <a:schemeClr val="tx1"/>
+                </a:solidFill>
+              </a:rPr>
+              <a:t> </a:t>
+            </a:r>
+            <a:r>
+              <a:rPr lang="nl-NL" sz="2000" b="1" i="1" dirty="0">
+                <a:solidFill>
+                  <a:schemeClr val="tx1"/>
+                </a:solidFill>
+              </a:rPr>
+              <a:t>DOM </a:t>
+            </a:r>
+            <a:r>
+              <a:rPr lang="nl-NL" sz="2000" b="1" i="1" dirty="0" err="1" smtClean="0">
+                <a:solidFill>
+                  <a:schemeClr val="tx1"/>
+                </a:solidFill>
+              </a:rPr>
+              <a:t>elements</a:t>
             </a:r>
             <a:r>
               <a:rPr lang="nl-NL" sz="2400" b="1" dirty="0">
@@ -19985,7 +20215,7 @@
             <a:r>
               <a:rPr lang="nl-NL" sz="2400" dirty="0" err="1">
                 <a:solidFill>
-                  <a:schemeClr val="tx1"/>
+                  <a:srgbClr val="C00000"/>
                 </a:solidFill>
               </a:rPr>
               <a:t>Angular</a:t>
@@ -19993,7 +20223,7 @@
             <a:r>
               <a:rPr lang="nl-NL" sz="2400" dirty="0">
                 <a:solidFill>
-                  <a:schemeClr val="tx1"/>
+                  <a:srgbClr val="C00000"/>
                 </a:solidFill>
               </a:rPr>
               <a:t> app </a:t>
@@ -20001,7 +20231,7 @@
             <a:r>
               <a:rPr lang="nl-NL" sz="2400" dirty="0" err="1">
                 <a:solidFill>
-                  <a:schemeClr val="tx1"/>
+                  <a:srgbClr val="C00000"/>
                 </a:solidFill>
               </a:rPr>
               <a:t>consist</a:t>
@@ -20009,7 +20239,7 @@
             <a:r>
               <a:rPr lang="nl-NL" sz="2400" dirty="0">
                 <a:solidFill>
-                  <a:schemeClr val="tx1"/>
+                  <a:srgbClr val="C00000"/>
                 </a:solidFill>
               </a:rPr>
               <a:t> of a </a:t>
@@ -20017,7 +20247,7 @@
             <a:r>
               <a:rPr lang="nl-NL" sz="2400" b="1" i="1" dirty="0">
                 <a:solidFill>
-                  <a:schemeClr val="tx1"/>
+                  <a:srgbClr val="C00000"/>
                 </a:solidFill>
               </a:rPr>
               <a:t>treestructuur</a:t>
@@ -20025,7 +20255,7 @@
             <a:r>
               <a:rPr lang="nl-NL" sz="2400" dirty="0">
                 <a:solidFill>
-                  <a:schemeClr val="tx1"/>
+                  <a:srgbClr val="C00000"/>
                 </a:solidFill>
               </a:rPr>
               <a:t> of </a:t>
@@ -20033,7 +20263,7 @@
             <a:r>
               <a:rPr lang="nl-NL" sz="2400" dirty="0" err="1">
                 <a:solidFill>
-                  <a:schemeClr val="tx1"/>
+                  <a:srgbClr val="C00000"/>
                 </a:solidFill>
               </a:rPr>
               <a:t>components</a:t>
@@ -20669,6 +20899,13 @@
   <p:clrMapOvr>
     <a:masterClrMapping/>
   </p:clrMapOvr>
+  <p:timing>
+    <p:tnLst>
+      <p:par>
+        <p:cTn id="1" dur="indefinite" restart="never" nodeType="tmRoot"/>
+      </p:par>
+    </p:tnLst>
+  </p:timing>
 </p:sld>
 </file>
 
@@ -20961,7 +21198,7 @@
           <a:p>
             <a:pPr algn="ctr"/>
             <a:r>
-              <a:rPr lang="nl-NL" smtClean="0"/>
+              <a:rPr lang="nl-NL" dirty="0" err="1" smtClean="0"/>
               <a:t>DashboardComponent</a:t>
             </a:r>
             <a:endParaRPr lang="nl-NL" dirty="0"/>
@@ -21310,16 +21547,17 @@
             </a:r>
             <a:r>
               <a:rPr lang="nl-NL" sz="2000" b="1" dirty="0" err="1" smtClean="0"/>
-              <a:t>BookListComponent</a:t>
+              <a:t>DashboardComponent</a:t>
             </a:r>
             <a:r>
               <a:rPr lang="nl-NL" sz="2000" b="1" dirty="0" smtClean="0"/>
               <a:t> </a:t>
             </a:r>
             <a:r>
-              <a:rPr lang="nl-NL" sz="2000" b="1" dirty="0"/>
+              <a:rPr lang="nl-NL" sz="2000" b="1" dirty="0" smtClean="0"/>
               <a:t>{</a:t>
             </a:r>
+            <a:endParaRPr lang="nl-NL" sz="2000" b="1" dirty="0"/>
           </a:p>
           <a:p>
             <a:pPr marL="0" indent="0">
